--- a/Crypto/Анализ данных.pptx
+++ b/Crypto/Анализ данных.pptx
@@ -10,6 +10,8 @@
     <p:sldId id="258" r:id="rId4"/>
     <p:sldId id="259" r:id="rId5"/>
     <p:sldId id="260" r:id="rId6"/>
+    <p:sldId id="261" r:id="rId7"/>
+    <p:sldId id="262" r:id="rId8"/>
   </p:sldIdLst>
   <p:sldSz cx="12192000" cy="6858000"/>
   <p:notesSz cx="6858000" cy="9144000"/>
@@ -108,7 +110,24 @@
       </a:defRPr>
     </a:lvl9pPr>
   </p:defaultTextStyle>
+  <p:extLst>
+    <p:ext uri="{EFAFB233-063F-42B5-8137-9DF3F51BA10A}">
+      <p15:sldGuideLst xmlns:p15="http://schemas.microsoft.com/office/powerpoint/2012/main"/>
+    </p:ext>
+  </p:extLst>
 </p:presentation>
+</file>
+
+<file path=ppt/commentAuthors.xml><?xml version="1.0" encoding="utf-8"?>
+<p:cmAuthorLst xmlns:a="http://schemas.openxmlformats.org/drawingml/2006/main" xmlns:r="http://schemas.openxmlformats.org/officeDocument/2006/relationships" xmlns:p="http://schemas.openxmlformats.org/presentationml/2006/main">
+  <p:cmAuthor id="1" name="Egor Serdyuk" initials="ES" lastIdx="1" clrIdx="0">
+    <p:extLst>
+      <p:ext uri="{19B8F6BF-5375-455C-9EA6-DF929625EA0E}">
+        <p15:presenceInfo xmlns:p15="http://schemas.microsoft.com/office/powerpoint/2012/main" userId="af017a131ffdc443" providerId="Windows Live"/>
+      </p:ext>
+    </p:extLst>
+  </p:cmAuthor>
+</p:cmAuthorLst>
 </file>
 
 <file path=ppt/slideLayouts/slideLayout1.xml><?xml version="1.0" encoding="utf-8"?>
@@ -258,7 +277,7 @@
           <a:p>
             <a:fld id="{4AB0DFBA-1FEB-4E3A-8928-94C92E955219}" type="datetimeFigureOut">
               <a:rPr lang="ru-RU" smtClean="0"/>
-              <a:t>19.04.2020</a:t>
+              <a:t>21.04.2020</a:t>
             </a:fld>
             <a:endParaRPr lang="ru-RU"/>
           </a:p>
@@ -456,7 +475,7 @@
           <a:p>
             <a:fld id="{4AB0DFBA-1FEB-4E3A-8928-94C92E955219}" type="datetimeFigureOut">
               <a:rPr lang="ru-RU" smtClean="0"/>
-              <a:t>19.04.2020</a:t>
+              <a:t>21.04.2020</a:t>
             </a:fld>
             <a:endParaRPr lang="ru-RU"/>
           </a:p>
@@ -664,7 +683,7 @@
           <a:p>
             <a:fld id="{4AB0DFBA-1FEB-4E3A-8928-94C92E955219}" type="datetimeFigureOut">
               <a:rPr lang="ru-RU" smtClean="0"/>
-              <a:t>19.04.2020</a:t>
+              <a:t>21.04.2020</a:t>
             </a:fld>
             <a:endParaRPr lang="ru-RU"/>
           </a:p>
@@ -862,7 +881,7 @@
           <a:p>
             <a:fld id="{4AB0DFBA-1FEB-4E3A-8928-94C92E955219}" type="datetimeFigureOut">
               <a:rPr lang="ru-RU" smtClean="0"/>
-              <a:t>19.04.2020</a:t>
+              <a:t>21.04.2020</a:t>
             </a:fld>
             <a:endParaRPr lang="ru-RU"/>
           </a:p>
@@ -1137,7 +1156,7 @@
           <a:p>
             <a:fld id="{4AB0DFBA-1FEB-4E3A-8928-94C92E955219}" type="datetimeFigureOut">
               <a:rPr lang="ru-RU" smtClean="0"/>
-              <a:t>19.04.2020</a:t>
+              <a:t>21.04.2020</a:t>
             </a:fld>
             <a:endParaRPr lang="ru-RU"/>
           </a:p>
@@ -1402,7 +1421,7 @@
           <a:p>
             <a:fld id="{4AB0DFBA-1FEB-4E3A-8928-94C92E955219}" type="datetimeFigureOut">
               <a:rPr lang="ru-RU" smtClean="0"/>
-              <a:t>19.04.2020</a:t>
+              <a:t>21.04.2020</a:t>
             </a:fld>
             <a:endParaRPr lang="ru-RU"/>
           </a:p>
@@ -1814,7 +1833,7 @@
           <a:p>
             <a:fld id="{4AB0DFBA-1FEB-4E3A-8928-94C92E955219}" type="datetimeFigureOut">
               <a:rPr lang="ru-RU" smtClean="0"/>
-              <a:t>19.04.2020</a:t>
+              <a:t>21.04.2020</a:t>
             </a:fld>
             <a:endParaRPr lang="ru-RU"/>
           </a:p>
@@ -1955,7 +1974,7 @@
           <a:p>
             <a:fld id="{4AB0DFBA-1FEB-4E3A-8928-94C92E955219}" type="datetimeFigureOut">
               <a:rPr lang="ru-RU" smtClean="0"/>
-              <a:t>19.04.2020</a:t>
+              <a:t>21.04.2020</a:t>
             </a:fld>
             <a:endParaRPr lang="ru-RU"/>
           </a:p>
@@ -2068,7 +2087,7 @@
           <a:p>
             <a:fld id="{4AB0DFBA-1FEB-4E3A-8928-94C92E955219}" type="datetimeFigureOut">
               <a:rPr lang="ru-RU" smtClean="0"/>
-              <a:t>19.04.2020</a:t>
+              <a:t>21.04.2020</a:t>
             </a:fld>
             <a:endParaRPr lang="ru-RU"/>
           </a:p>
@@ -2379,7 +2398,7 @@
           <a:p>
             <a:fld id="{4AB0DFBA-1FEB-4E3A-8928-94C92E955219}" type="datetimeFigureOut">
               <a:rPr lang="ru-RU" smtClean="0"/>
-              <a:t>19.04.2020</a:t>
+              <a:t>21.04.2020</a:t>
             </a:fld>
             <a:endParaRPr lang="ru-RU"/>
           </a:p>
@@ -2667,7 +2686,7 @@
           <a:p>
             <a:fld id="{4AB0DFBA-1FEB-4E3A-8928-94C92E955219}" type="datetimeFigureOut">
               <a:rPr lang="ru-RU" smtClean="0"/>
-              <a:t>19.04.2020</a:t>
+              <a:t>21.04.2020</a:t>
             </a:fld>
             <a:endParaRPr lang="ru-RU"/>
           </a:p>
@@ -2908,7 +2927,7 @@
           <a:p>
             <a:fld id="{4AB0DFBA-1FEB-4E3A-8928-94C92E955219}" type="datetimeFigureOut">
               <a:rPr lang="ru-RU" smtClean="0"/>
-              <a:t>19.04.2020</a:t>
+              <a:t>21.04.2020</a:t>
             </a:fld>
             <a:endParaRPr lang="ru-RU"/>
           </a:p>
@@ -3570,6 +3589,31 @@
           <a:bodyPr/>
           <a:lstStyle/>
           <a:p>
+            <a:r>
+              <a:rPr lang="ru-RU" dirty="0"/>
+              <a:t>Анализ </a:t>
+            </a:r>
+            <a:r>
+              <a:rPr lang="ru-RU" dirty="0" err="1"/>
+              <a:t>криптовалютного</a:t>
+            </a:r>
+            <a:r>
+              <a:rPr lang="ru-RU" dirty="0"/>
+              <a:t> рынка в определенный временной промежуток</a:t>
+            </a:r>
+          </a:p>
+          <a:p>
+            <a:r>
+              <a:rPr lang="ru-RU" dirty="0"/>
+              <a:t>Предсказание стоимости криптовалют (на примере </a:t>
+            </a:r>
+            <a:r>
+              <a:rPr lang="en-US" dirty="0"/>
+              <a:t>Bitcoin)</a:t>
+            </a:r>
+            <a:endParaRPr lang="ru-RU" dirty="0"/>
+          </a:p>
+          <a:p>
             <a:endParaRPr lang="ru-RU" dirty="0"/>
           </a:p>
         </p:txBody>
@@ -3661,7 +3705,7 @@
           <a:p>
             <a:r>
               <a:rPr lang="ru-RU" dirty="0"/>
-              <a:t>942000 наблюдения курсов</a:t>
+              <a:t>942000 наблюдения</a:t>
             </a:r>
           </a:p>
           <a:p>
@@ -3702,60 +3746,1181 @@
           <a:chExt cx="0" cy="0"/>
         </a:xfrm>
       </p:grpSpPr>
-      <p:sp>
-        <p:nvSpPr>
-          <p:cNvPr id="2" name="Заголовок 1">
-            <a:extLst>
-              <a:ext uri="{FF2B5EF4-FFF2-40B4-BE49-F238E27FC236}">
-                <a16:creationId xmlns:a16="http://schemas.microsoft.com/office/drawing/2014/main" id="{E9DDC5CB-2AA1-4CE5-9F20-A2B4EF2E2A6D}"/>
-              </a:ext>
-            </a:extLst>
-          </p:cNvPr>
-          <p:cNvSpPr>
-            <a:spLocks noGrp="1"/>
-          </p:cNvSpPr>
-          <p:nvPr>
-            <p:ph type="title"/>
-          </p:nvPr>
-        </p:nvSpPr>
-        <p:spPr/>
-        <p:txBody>
-          <a:bodyPr/>
-          <a:lstStyle/>
-          <a:p>
-            <a:endParaRPr lang="ru-RU"/>
-          </a:p>
-        </p:txBody>
-      </p:sp>
-      <p:sp>
-        <p:nvSpPr>
-          <p:cNvPr id="3" name="Объект 2">
-            <a:extLst>
-              <a:ext uri="{FF2B5EF4-FFF2-40B4-BE49-F238E27FC236}">
-                <a16:creationId xmlns:a16="http://schemas.microsoft.com/office/drawing/2014/main" id="{8363AD55-883F-490D-9BE6-20EFFF6E3D6F}"/>
-              </a:ext>
-            </a:extLst>
-          </p:cNvPr>
-          <p:cNvSpPr>
-            <a:spLocks noGrp="1"/>
-          </p:cNvSpPr>
+      <p:graphicFrame>
+        <p:nvGraphicFramePr>
+          <p:cNvPr id="4" name="Таблица 4">
+            <a:extLst>
+              <a:ext uri="{FF2B5EF4-FFF2-40B4-BE49-F238E27FC236}">
+                <a16:creationId xmlns:a16="http://schemas.microsoft.com/office/drawing/2014/main" id="{F6E71ABE-B367-4D2F-937E-5B35BEA957B0}"/>
+              </a:ext>
+            </a:extLst>
+          </p:cNvPr>
+          <p:cNvGraphicFramePr>
+            <a:graphicFrameLocks noGrp="1"/>
+          </p:cNvGraphicFramePr>
           <p:nvPr>
             <p:ph idx="1"/>
-          </p:nvPr>
-        </p:nvSpPr>
-        <p:spPr/>
-        <p:txBody>
-          <a:bodyPr/>
-          <a:lstStyle/>
-          <a:p>
-            <a:endParaRPr lang="ru-RU"/>
-          </a:p>
-        </p:txBody>
-      </p:sp>
+            <p:extLst>
+              <p:ext uri="{D42A27DB-BD31-4B8C-83A1-F6EECF244321}">
+                <p14:modId xmlns:p14="http://schemas.microsoft.com/office/powerpoint/2010/main" val="3079345244"/>
+              </p:ext>
+            </p:extLst>
+          </p:nvPr>
+        </p:nvGraphicFramePr>
+        <p:xfrm>
+          <a:off x="838199" y="240632"/>
+          <a:ext cx="10856496" cy="6352676"/>
+        </p:xfrm>
+        <a:graphic>
+          <a:graphicData uri="http://schemas.openxmlformats.org/drawingml/2006/table">
+            <a:tbl>
+              <a:tblPr firstRow="1" bandRow="1">
+                <a:tableStyleId>{5C22544A-7EE6-4342-B048-85BDC9FD1C3A}</a:tableStyleId>
+              </a:tblPr>
+              <a:tblGrid>
+                <a:gridCol w="3618832">
+                  <a:extLst>
+                    <a:ext uri="{9D8B030D-6E8A-4147-A177-3AD203B41FA5}">
+                      <a16:colId xmlns:a16="http://schemas.microsoft.com/office/drawing/2014/main" val="650779507"/>
+                    </a:ext>
+                  </a:extLst>
+                </a:gridCol>
+                <a:gridCol w="852906">
+                  <a:extLst>
+                    <a:ext uri="{9D8B030D-6E8A-4147-A177-3AD203B41FA5}">
+                      <a16:colId xmlns:a16="http://schemas.microsoft.com/office/drawing/2014/main" val="1046956585"/>
+                    </a:ext>
+                  </a:extLst>
+                </a:gridCol>
+                <a:gridCol w="6384758">
+                  <a:extLst>
+                    <a:ext uri="{9D8B030D-6E8A-4147-A177-3AD203B41FA5}">
+                      <a16:colId xmlns:a16="http://schemas.microsoft.com/office/drawing/2014/main" val="4141912266"/>
+                    </a:ext>
+                  </a:extLst>
+                </a:gridCol>
+              </a:tblGrid>
+              <a:tr h="609952">
+                <a:tc>
+                  <a:txBody>
+                    <a:bodyPr/>
+                    <a:lstStyle/>
+                    <a:p>
+                      <a:r>
+                        <a:rPr lang="ru-RU" dirty="0"/>
+                        <a:t>Переменная</a:t>
+                      </a:r>
+                    </a:p>
+                  </a:txBody>
+                  <a:tcPr/>
+                </a:tc>
+                <a:tc>
+                  <a:txBody>
+                    <a:bodyPr/>
+                    <a:lstStyle/>
+                    <a:p>
+                      <a:r>
+                        <a:rPr lang="ru-RU" dirty="0"/>
+                        <a:t>Тип</a:t>
+                      </a:r>
+                    </a:p>
+                  </a:txBody>
+                  <a:tcPr/>
+                </a:tc>
+                <a:tc>
+                  <a:txBody>
+                    <a:bodyPr/>
+                    <a:lstStyle/>
+                    <a:p>
+                      <a:r>
+                        <a:rPr lang="ru-RU" dirty="0"/>
+                        <a:t>Значение</a:t>
+                      </a:r>
+                    </a:p>
+                  </a:txBody>
+                  <a:tcPr/>
+                </a:tc>
+                <a:extLst>
+                  <a:ext uri="{0D108BD9-81ED-4DB2-BD59-A6C34878D82A}">
+                    <a16:rowId xmlns:a16="http://schemas.microsoft.com/office/drawing/2014/main" val="1425300549"/>
+                  </a:ext>
+                </a:extLst>
+              </a:tr>
+              <a:tr h="441748">
+                <a:tc>
+                  <a:txBody>
+                    <a:bodyPr/>
+                    <a:lstStyle/>
+                    <a:p>
+                      <a:r>
+                        <a:rPr lang="en-US" dirty="0"/>
+                        <a:t>slug</a:t>
+                      </a:r>
+                      <a:endParaRPr lang="ru-RU" dirty="0"/>
+                    </a:p>
+                  </a:txBody>
+                  <a:tcPr/>
+                </a:tc>
+                <a:tc>
+                  <a:txBody>
+                    <a:bodyPr/>
+                    <a:lstStyle/>
+                    <a:p>
+                      <a:r>
+                        <a:rPr lang="en-US" dirty="0"/>
+                        <a:t>string</a:t>
+                      </a:r>
+                      <a:endParaRPr lang="ru-RU" dirty="0"/>
+                    </a:p>
+                  </a:txBody>
+                  <a:tcPr/>
+                </a:tc>
+                <a:tc>
+                  <a:txBody>
+                    <a:bodyPr/>
+                    <a:lstStyle/>
+                    <a:p>
+                      <a:r>
+                        <a:rPr lang="ru-RU" dirty="0"/>
+                        <a:t>Уникальное название крипто токена</a:t>
+                      </a:r>
+                    </a:p>
+                  </a:txBody>
+                  <a:tcPr/>
+                </a:tc>
+                <a:extLst>
+                  <a:ext uri="{0D108BD9-81ED-4DB2-BD59-A6C34878D82A}">
+                    <a16:rowId xmlns:a16="http://schemas.microsoft.com/office/drawing/2014/main" val="849972432"/>
+                  </a:ext>
+                </a:extLst>
+              </a:tr>
+              <a:tr h="441748">
+                <a:tc>
+                  <a:txBody>
+                    <a:bodyPr/>
+                    <a:lstStyle/>
+                    <a:p>
+                      <a:r>
+                        <a:rPr lang="en-US" dirty="0"/>
+                        <a:t>symbol</a:t>
+                      </a:r>
+                      <a:endParaRPr lang="ru-RU" dirty="0"/>
+                    </a:p>
+                  </a:txBody>
+                  <a:tcPr/>
+                </a:tc>
+                <a:tc>
+                  <a:txBody>
+                    <a:bodyPr/>
+                    <a:lstStyle/>
+                    <a:p>
+                      <a:r>
+                        <a:rPr lang="en-US" dirty="0"/>
+                        <a:t>string</a:t>
+                      </a:r>
+                      <a:endParaRPr lang="ru-RU" dirty="0"/>
+                    </a:p>
+                  </a:txBody>
+                  <a:tcPr/>
+                </a:tc>
+                <a:tc>
+                  <a:txBody>
+                    <a:bodyPr/>
+                    <a:lstStyle/>
+                    <a:p>
+                      <a:r>
+                        <a:rPr lang="ru-RU" dirty="0"/>
+                        <a:t>Уникальное сокращённое название крипто токена</a:t>
+                      </a:r>
+                    </a:p>
+                  </a:txBody>
+                  <a:tcPr/>
+                </a:tc>
+                <a:extLst>
+                  <a:ext uri="{0D108BD9-81ED-4DB2-BD59-A6C34878D82A}">
+                    <a16:rowId xmlns:a16="http://schemas.microsoft.com/office/drawing/2014/main" val="774132833"/>
+                  </a:ext>
+                </a:extLst>
+              </a:tr>
+              <a:tr h="441748">
+                <a:tc>
+                  <a:txBody>
+                    <a:bodyPr/>
+                    <a:lstStyle/>
+                    <a:p>
+                      <a:r>
+                        <a:rPr lang="en-US" dirty="0"/>
+                        <a:t>name</a:t>
+                      </a:r>
+                      <a:endParaRPr lang="ru-RU" dirty="0"/>
+                    </a:p>
+                  </a:txBody>
+                  <a:tcPr/>
+                </a:tc>
+                <a:tc>
+                  <a:txBody>
+                    <a:bodyPr/>
+                    <a:lstStyle/>
+                    <a:p>
+                      <a:r>
+                        <a:rPr lang="en-US" dirty="0"/>
+                        <a:t>string</a:t>
+                      </a:r>
+                      <a:endParaRPr lang="ru-RU" dirty="0"/>
+                    </a:p>
+                  </a:txBody>
+                  <a:tcPr/>
+                </a:tc>
+                <a:tc>
+                  <a:txBody>
+                    <a:bodyPr/>
+                    <a:lstStyle/>
+                    <a:p>
+                      <a:r>
+                        <a:rPr lang="ru-RU" dirty="0"/>
+                        <a:t>Название крипто токена</a:t>
+                      </a:r>
+                    </a:p>
+                  </a:txBody>
+                  <a:tcPr/>
+                </a:tc>
+                <a:extLst>
+                  <a:ext uri="{0D108BD9-81ED-4DB2-BD59-A6C34878D82A}">
+                    <a16:rowId xmlns:a16="http://schemas.microsoft.com/office/drawing/2014/main" val="887040299"/>
+                  </a:ext>
+                </a:extLst>
+              </a:tr>
+              <a:tr h="441748">
+                <a:tc>
+                  <a:txBody>
+                    <a:bodyPr/>
+                    <a:lstStyle/>
+                    <a:p>
+                      <a:r>
+                        <a:rPr lang="en-US" dirty="0"/>
+                        <a:t>date</a:t>
+                      </a:r>
+                      <a:endParaRPr lang="ru-RU" dirty="0"/>
+                    </a:p>
+                  </a:txBody>
+                  <a:tcPr/>
+                </a:tc>
+                <a:tc>
+                  <a:txBody>
+                    <a:bodyPr/>
+                    <a:lstStyle/>
+                    <a:p>
+                      <a:r>
+                        <a:rPr lang="en-US" dirty="0"/>
+                        <a:t>string</a:t>
+                      </a:r>
+                      <a:endParaRPr lang="ru-RU" dirty="0"/>
+                    </a:p>
+                  </a:txBody>
+                  <a:tcPr/>
+                </a:tc>
+                <a:tc>
+                  <a:txBody>
+                    <a:bodyPr/>
+                    <a:lstStyle/>
+                    <a:p>
+                      <a:r>
+                        <a:rPr lang="ru-RU" dirty="0"/>
+                        <a:t>Дата</a:t>
+                      </a:r>
+                    </a:p>
+                  </a:txBody>
+                  <a:tcPr/>
+                </a:tc>
+                <a:extLst>
+                  <a:ext uri="{0D108BD9-81ED-4DB2-BD59-A6C34878D82A}">
+                    <a16:rowId xmlns:a16="http://schemas.microsoft.com/office/drawing/2014/main" val="2923693791"/>
+                  </a:ext>
+                </a:extLst>
+              </a:tr>
+              <a:tr h="441748">
+                <a:tc>
+                  <a:txBody>
+                    <a:bodyPr/>
+                    <a:lstStyle/>
+                    <a:p>
+                      <a:r>
+                        <a:rPr lang="en-US" dirty="0" err="1"/>
+                        <a:t>ranknow</a:t>
+                      </a:r>
+                      <a:endParaRPr lang="ru-RU" dirty="0"/>
+                    </a:p>
+                  </a:txBody>
+                  <a:tcPr/>
+                </a:tc>
+                <a:tc>
+                  <a:txBody>
+                    <a:bodyPr/>
+                    <a:lstStyle/>
+                    <a:p>
+                      <a:r>
+                        <a:rPr lang="en-US" dirty="0"/>
+                        <a:t>int</a:t>
+                      </a:r>
+                      <a:endParaRPr lang="ru-RU" dirty="0"/>
+                    </a:p>
+                  </a:txBody>
+                  <a:tcPr/>
+                </a:tc>
+                <a:tc>
+                  <a:txBody>
+                    <a:bodyPr/>
+                    <a:lstStyle/>
+                    <a:p>
+                      <a:r>
+                        <a:rPr lang="ru-RU" dirty="0"/>
+                        <a:t>Положение крипто токена на рынке</a:t>
+                      </a:r>
+                    </a:p>
+                  </a:txBody>
+                  <a:tcPr/>
+                </a:tc>
+                <a:extLst>
+                  <a:ext uri="{0D108BD9-81ED-4DB2-BD59-A6C34878D82A}">
+                    <a16:rowId xmlns:a16="http://schemas.microsoft.com/office/drawing/2014/main" val="1665142900"/>
+                  </a:ext>
+                </a:extLst>
+              </a:tr>
+              <a:tr h="441748">
+                <a:tc>
+                  <a:txBody>
+                    <a:bodyPr/>
+                    <a:lstStyle/>
+                    <a:p>
+                      <a:r>
+                        <a:rPr lang="en-US" dirty="0"/>
+                        <a:t>open</a:t>
+                      </a:r>
+                      <a:endParaRPr lang="ru-RU" dirty="0"/>
+                    </a:p>
+                  </a:txBody>
+                  <a:tcPr/>
+                </a:tc>
+                <a:tc>
+                  <a:txBody>
+                    <a:bodyPr/>
+                    <a:lstStyle/>
+                    <a:p>
+                      <a:r>
+                        <a:rPr lang="en-US" dirty="0"/>
+                        <a:t>float</a:t>
+                      </a:r>
+                      <a:endParaRPr lang="ru-RU" dirty="0"/>
+                    </a:p>
+                  </a:txBody>
+                  <a:tcPr/>
+                </a:tc>
+                <a:tc>
+                  <a:txBody>
+                    <a:bodyPr/>
+                    <a:lstStyle/>
+                    <a:p>
+                      <a:r>
+                        <a:rPr lang="ru-RU" dirty="0"/>
+                        <a:t>Начальная цена за день</a:t>
+                      </a:r>
+                    </a:p>
+                  </a:txBody>
+                  <a:tcPr/>
+                </a:tc>
+                <a:extLst>
+                  <a:ext uri="{0D108BD9-81ED-4DB2-BD59-A6C34878D82A}">
+                    <a16:rowId xmlns:a16="http://schemas.microsoft.com/office/drawing/2014/main" val="2201096015"/>
+                  </a:ext>
+                </a:extLst>
+              </a:tr>
+              <a:tr h="441748">
+                <a:tc>
+                  <a:txBody>
+                    <a:bodyPr/>
+                    <a:lstStyle/>
+                    <a:p>
+                      <a:r>
+                        <a:rPr lang="en-US" dirty="0"/>
+                        <a:t>high</a:t>
+                      </a:r>
+                      <a:endParaRPr lang="ru-RU" dirty="0"/>
+                    </a:p>
+                  </a:txBody>
+                  <a:tcPr/>
+                </a:tc>
+                <a:tc>
+                  <a:txBody>
+                    <a:bodyPr/>
+                    <a:lstStyle/>
+                    <a:p>
+                      <a:r>
+                        <a:rPr lang="en-US" dirty="0"/>
+                        <a:t>float</a:t>
+                      </a:r>
+                      <a:endParaRPr lang="ru-RU" dirty="0"/>
+                    </a:p>
+                  </a:txBody>
+                  <a:tcPr/>
+                </a:tc>
+                <a:tc>
+                  <a:txBody>
+                    <a:bodyPr/>
+                    <a:lstStyle/>
+                    <a:p>
+                      <a:r>
+                        <a:rPr lang="ru-RU" dirty="0"/>
+                        <a:t>Максимальная цена за день</a:t>
+                      </a:r>
+                    </a:p>
+                  </a:txBody>
+                  <a:tcPr/>
+                </a:tc>
+                <a:extLst>
+                  <a:ext uri="{0D108BD9-81ED-4DB2-BD59-A6C34878D82A}">
+                    <a16:rowId xmlns:a16="http://schemas.microsoft.com/office/drawing/2014/main" val="2516190604"/>
+                  </a:ext>
+                </a:extLst>
+              </a:tr>
+              <a:tr h="441748">
+                <a:tc>
+                  <a:txBody>
+                    <a:bodyPr/>
+                    <a:lstStyle/>
+                    <a:p>
+                      <a:r>
+                        <a:rPr lang="en-US" dirty="0"/>
+                        <a:t>low</a:t>
+                      </a:r>
+                      <a:endParaRPr lang="ru-RU" dirty="0"/>
+                    </a:p>
+                  </a:txBody>
+                  <a:tcPr/>
+                </a:tc>
+                <a:tc>
+                  <a:txBody>
+                    <a:bodyPr/>
+                    <a:lstStyle/>
+                    <a:p>
+                      <a:r>
+                        <a:rPr lang="en-US" dirty="0"/>
+                        <a:t>float</a:t>
+                      </a:r>
+                      <a:endParaRPr lang="ru-RU" dirty="0"/>
+                    </a:p>
+                  </a:txBody>
+                  <a:tcPr/>
+                </a:tc>
+                <a:tc>
+                  <a:txBody>
+                    <a:bodyPr/>
+                    <a:lstStyle/>
+                    <a:p>
+                      <a:r>
+                        <a:rPr lang="ru-RU" dirty="0"/>
+                        <a:t>Самая низкая цена за день</a:t>
+                      </a:r>
+                    </a:p>
+                  </a:txBody>
+                  <a:tcPr/>
+                </a:tc>
+                <a:extLst>
+                  <a:ext uri="{0D108BD9-81ED-4DB2-BD59-A6C34878D82A}">
+                    <a16:rowId xmlns:a16="http://schemas.microsoft.com/office/drawing/2014/main" val="3829496459"/>
+                  </a:ext>
+                </a:extLst>
+              </a:tr>
+              <a:tr h="441748">
+                <a:tc>
+                  <a:txBody>
+                    <a:bodyPr/>
+                    <a:lstStyle/>
+                    <a:p>
+                      <a:r>
+                        <a:rPr lang="en-US" dirty="0"/>
+                        <a:t>close</a:t>
+                      </a:r>
+                      <a:endParaRPr lang="ru-RU" dirty="0"/>
+                    </a:p>
+                  </a:txBody>
+                  <a:tcPr/>
+                </a:tc>
+                <a:tc>
+                  <a:txBody>
+                    <a:bodyPr/>
+                    <a:lstStyle/>
+                    <a:p>
+                      <a:r>
+                        <a:rPr lang="en-US" dirty="0"/>
+                        <a:t>float</a:t>
+                      </a:r>
+                      <a:endParaRPr lang="ru-RU" dirty="0"/>
+                    </a:p>
+                  </a:txBody>
+                  <a:tcPr/>
+                </a:tc>
+                <a:tc>
+                  <a:txBody>
+                    <a:bodyPr/>
+                    <a:lstStyle/>
+                    <a:p>
+                      <a:r>
+                        <a:rPr lang="ru-RU" dirty="0"/>
+                        <a:t>Цена на момент закрытия</a:t>
+                      </a:r>
+                    </a:p>
+                  </a:txBody>
+                  <a:tcPr/>
+                </a:tc>
+                <a:extLst>
+                  <a:ext uri="{0D108BD9-81ED-4DB2-BD59-A6C34878D82A}">
+                    <a16:rowId xmlns:a16="http://schemas.microsoft.com/office/drawing/2014/main" val="3687850691"/>
+                  </a:ext>
+                </a:extLst>
+              </a:tr>
+              <a:tr h="441748">
+                <a:tc>
+                  <a:txBody>
+                    <a:bodyPr/>
+                    <a:lstStyle/>
+                    <a:p>
+                      <a:r>
+                        <a:rPr lang="en-US" dirty="0"/>
+                        <a:t>volume</a:t>
+                      </a:r>
+                      <a:endParaRPr lang="ru-RU" dirty="0"/>
+                    </a:p>
+                  </a:txBody>
+                  <a:tcPr/>
+                </a:tc>
+                <a:tc>
+                  <a:txBody>
+                    <a:bodyPr/>
+                    <a:lstStyle/>
+                    <a:p>
+                      <a:r>
+                        <a:rPr lang="en-US" dirty="0"/>
+                        <a:t>float</a:t>
+                      </a:r>
+                      <a:endParaRPr lang="ru-RU" dirty="0"/>
+                    </a:p>
+                  </a:txBody>
+                  <a:tcPr/>
+                </a:tc>
+                <a:tc>
+                  <a:txBody>
+                    <a:bodyPr/>
+                    <a:lstStyle/>
+                    <a:p>
+                      <a:r>
+                        <a:rPr lang="ru-RU" dirty="0"/>
+                        <a:t>Количество транзакций за день</a:t>
+                      </a:r>
+                    </a:p>
+                  </a:txBody>
+                  <a:tcPr/>
+                </a:tc>
+                <a:extLst>
+                  <a:ext uri="{0D108BD9-81ED-4DB2-BD59-A6C34878D82A}">
+                    <a16:rowId xmlns:a16="http://schemas.microsoft.com/office/drawing/2014/main" val="1041425774"/>
+                  </a:ext>
+                </a:extLst>
+              </a:tr>
+              <a:tr h="441748">
+                <a:tc>
+                  <a:txBody>
+                    <a:bodyPr/>
+                    <a:lstStyle/>
+                    <a:p>
+                      <a:r>
+                        <a:rPr lang="en-US" dirty="0"/>
+                        <a:t>market</a:t>
+                      </a:r>
+                      <a:endParaRPr lang="ru-RU" dirty="0"/>
+                    </a:p>
+                  </a:txBody>
+                  <a:tcPr/>
+                </a:tc>
+                <a:tc>
+                  <a:txBody>
+                    <a:bodyPr/>
+                    <a:lstStyle/>
+                    <a:p>
+                      <a:r>
+                        <a:rPr lang="en-US" dirty="0"/>
+                        <a:t>float</a:t>
+                      </a:r>
+                      <a:endParaRPr lang="ru-RU" dirty="0"/>
+                    </a:p>
+                  </a:txBody>
+                  <a:tcPr/>
+                </a:tc>
+                <a:tc>
+                  <a:txBody>
+                    <a:bodyPr/>
+                    <a:lstStyle/>
+                    <a:p>
+                      <a:r>
+                        <a:rPr lang="ru-RU" dirty="0"/>
+                        <a:t>Капитализация рынка</a:t>
+                      </a:r>
+                    </a:p>
+                  </a:txBody>
+                  <a:tcPr/>
+                </a:tc>
+                <a:extLst>
+                  <a:ext uri="{0D108BD9-81ED-4DB2-BD59-A6C34878D82A}">
+                    <a16:rowId xmlns:a16="http://schemas.microsoft.com/office/drawing/2014/main" val="4100722940"/>
+                  </a:ext>
+                </a:extLst>
+              </a:tr>
+              <a:tr h="441748">
+                <a:tc>
+                  <a:txBody>
+                    <a:bodyPr/>
+                    <a:lstStyle/>
+                    <a:p>
+                      <a:r>
+                        <a:rPr lang="en-US" dirty="0" err="1"/>
+                        <a:t>close_ratio</a:t>
+                      </a:r>
+                      <a:endParaRPr lang="ru-RU" dirty="0"/>
+                    </a:p>
+                  </a:txBody>
+                  <a:tcPr/>
+                </a:tc>
+                <a:tc>
+                  <a:txBody>
+                    <a:bodyPr/>
+                    <a:lstStyle/>
+                    <a:p>
+                      <a:r>
+                        <a:rPr lang="en-US" dirty="0"/>
+                        <a:t>float</a:t>
+                      </a:r>
+                      <a:endParaRPr lang="ru-RU" dirty="0"/>
+                    </a:p>
+                  </a:txBody>
+                  <a:tcPr/>
+                </a:tc>
+                <a:tc>
+                  <a:txBody>
+                    <a:bodyPr/>
+                    <a:lstStyle/>
+                    <a:p>
+                      <a:r>
+                        <a:rPr lang="ru-RU" dirty="0"/>
+                        <a:t>Разница между начальной и последней ценой за день</a:t>
+                      </a:r>
+                    </a:p>
+                  </a:txBody>
+                  <a:tcPr/>
+                </a:tc>
+                <a:extLst>
+                  <a:ext uri="{0D108BD9-81ED-4DB2-BD59-A6C34878D82A}">
+                    <a16:rowId xmlns:a16="http://schemas.microsoft.com/office/drawing/2014/main" val="1123748283"/>
+                  </a:ext>
+                </a:extLst>
+              </a:tr>
+              <a:tr h="441748">
+                <a:tc>
+                  <a:txBody>
+                    <a:bodyPr/>
+                    <a:lstStyle/>
+                    <a:p>
+                      <a:r>
+                        <a:rPr lang="en-US" dirty="0"/>
+                        <a:t>spread</a:t>
+                      </a:r>
+                      <a:endParaRPr lang="ru-RU" dirty="0"/>
+                    </a:p>
+                  </a:txBody>
+                  <a:tcPr/>
+                </a:tc>
+                <a:tc>
+                  <a:txBody>
+                    <a:bodyPr/>
+                    <a:lstStyle/>
+                    <a:p>
+                      <a:r>
+                        <a:rPr lang="en-US" dirty="0"/>
+                        <a:t>float</a:t>
+                      </a:r>
+                      <a:endParaRPr lang="ru-RU" dirty="0"/>
+                    </a:p>
+                  </a:txBody>
+                  <a:tcPr/>
+                </a:tc>
+                <a:tc>
+                  <a:txBody>
+                    <a:bodyPr/>
+                    <a:lstStyle/>
+                    <a:p>
+                      <a:r>
+                        <a:rPr lang="ru-RU" dirty="0"/>
+                        <a:t>Разница между самой низкой и максимальной ценой</a:t>
+                      </a:r>
+                    </a:p>
+                  </a:txBody>
+                  <a:tcPr/>
+                </a:tc>
+                <a:extLst>
+                  <a:ext uri="{0D108BD9-81ED-4DB2-BD59-A6C34878D82A}">
+                    <a16:rowId xmlns:a16="http://schemas.microsoft.com/office/drawing/2014/main" val="3026450466"/>
+                  </a:ext>
+                </a:extLst>
+              </a:tr>
+            </a:tbl>
+          </a:graphicData>
+        </a:graphic>
+      </p:graphicFrame>
     </p:spTree>
     <p:extLst>
       <p:ext uri="{BB962C8B-B14F-4D97-AF65-F5344CB8AC3E}">
         <p14:creationId xmlns:p14="http://schemas.microsoft.com/office/powerpoint/2010/main" val="3250502163"/>
+      </p:ext>
+    </p:extLst>
+  </p:cSld>
+  <p:clrMapOvr>
+    <a:masterClrMapping/>
+  </p:clrMapOvr>
+</p:sld>
+</file>
+
+<file path=ppt/slides/slide6.xml><?xml version="1.0" encoding="utf-8"?>
+<p:sld xmlns:a="http://schemas.openxmlformats.org/drawingml/2006/main" xmlns:r="http://schemas.openxmlformats.org/officeDocument/2006/relationships" xmlns:p="http://schemas.openxmlformats.org/presentationml/2006/main">
+  <p:cSld>
+    <p:spTree>
+      <p:nvGrpSpPr>
+        <p:cNvPr id="1" name=""/>
+        <p:cNvGrpSpPr/>
+        <p:nvPr/>
+      </p:nvGrpSpPr>
+      <p:grpSpPr>
+        <a:xfrm>
+          <a:off x="0" y="0"/>
+          <a:ext cx="0" cy="0"/>
+          <a:chOff x="0" y="0"/>
+          <a:chExt cx="0" cy="0"/>
+        </a:xfrm>
+      </p:grpSpPr>
+      <p:sp>
+        <p:nvSpPr>
+          <p:cNvPr id="2" name="Заголовок 1">
+            <a:extLst>
+              <a:ext uri="{FF2B5EF4-FFF2-40B4-BE49-F238E27FC236}">
+                <a16:creationId xmlns:a16="http://schemas.microsoft.com/office/drawing/2014/main" id="{C3884BFA-F5B8-4409-AC63-7B377DC7518B}"/>
+              </a:ext>
+            </a:extLst>
+          </p:cNvPr>
+          <p:cNvSpPr>
+            <a:spLocks noGrp="1"/>
+          </p:cNvSpPr>
+          <p:nvPr>
+            <p:ph type="title"/>
+          </p:nvPr>
+        </p:nvSpPr>
+        <p:spPr/>
+        <p:txBody>
+          <a:bodyPr/>
+          <a:lstStyle/>
+          <a:p>
+            <a:r>
+              <a:rPr lang="ru-RU" dirty="0"/>
+              <a:t>Описательная статистика</a:t>
+            </a:r>
+          </a:p>
+        </p:txBody>
+      </p:sp>
+      <p:pic>
+        <p:nvPicPr>
+          <p:cNvPr id="5" name="Объект 4">
+            <a:extLst>
+              <a:ext uri="{FF2B5EF4-FFF2-40B4-BE49-F238E27FC236}">
+                <a16:creationId xmlns:a16="http://schemas.microsoft.com/office/drawing/2014/main" id="{9DB2C9BC-9DB2-4602-B4C0-5E8407E518D6}"/>
+              </a:ext>
+            </a:extLst>
+          </p:cNvPr>
+          <p:cNvPicPr>
+            <a:picLocks noGrp="1" noChangeAspect="1"/>
+          </p:cNvPicPr>
+          <p:nvPr>
+            <p:ph idx="1"/>
+          </p:nvPr>
+        </p:nvPicPr>
+        <p:blipFill>
+          <a:blip r:embed="rId2">
+            <a:extLst>
+              <a:ext uri="{28A0092B-C50C-407E-A947-70E740481C1C}">
+                <a14:useLocalDpi xmlns:a14="http://schemas.microsoft.com/office/drawing/2010/main" val="0"/>
+              </a:ext>
+            </a:extLst>
+          </a:blip>
+          <a:stretch>
+            <a:fillRect/>
+          </a:stretch>
+        </p:blipFill>
+        <p:spPr>
+          <a:xfrm>
+            <a:off x="838200" y="2060020"/>
+            <a:ext cx="2086266" cy="1590897"/>
+          </a:xfrm>
+        </p:spPr>
+      </p:pic>
+      <p:sp>
+        <p:nvSpPr>
+          <p:cNvPr id="6" name="TextBox 5">
+            <a:extLst>
+              <a:ext uri="{FF2B5EF4-FFF2-40B4-BE49-F238E27FC236}">
+                <a16:creationId xmlns:a16="http://schemas.microsoft.com/office/drawing/2014/main" id="{19D026DE-5ADC-42D0-B527-3F431FEB91D6}"/>
+              </a:ext>
+            </a:extLst>
+          </p:cNvPr>
+          <p:cNvSpPr txBox="1"/>
+          <p:nvPr/>
+        </p:nvSpPr>
+        <p:spPr>
+          <a:xfrm>
+            <a:off x="838200" y="1690688"/>
+            <a:ext cx="1997726" cy="369332"/>
+          </a:xfrm>
+          <a:prstGeom prst="rect">
+            <a:avLst/>
+          </a:prstGeom>
+          <a:noFill/>
+        </p:spPr>
+        <p:txBody>
+          <a:bodyPr wrap="none" rtlCol="0">
+            <a:spAutoFit/>
+          </a:bodyPr>
+          <a:lstStyle/>
+          <a:p>
+            <a:r>
+              <a:rPr lang="ru-RU" dirty="0"/>
+              <a:t>Среднее значение</a:t>
+            </a:r>
+          </a:p>
+        </p:txBody>
+      </p:sp>
+      <p:pic>
+        <p:nvPicPr>
+          <p:cNvPr id="8" name="Рисунок 7">
+            <a:extLst>
+              <a:ext uri="{FF2B5EF4-FFF2-40B4-BE49-F238E27FC236}">
+                <a16:creationId xmlns:a16="http://schemas.microsoft.com/office/drawing/2014/main" id="{6935B4B7-9DA4-4DEE-95E4-06591300521E}"/>
+              </a:ext>
+            </a:extLst>
+          </p:cNvPr>
+          <p:cNvPicPr>
+            <a:picLocks noChangeAspect="1"/>
+          </p:cNvPicPr>
+          <p:nvPr/>
+        </p:nvPicPr>
+        <p:blipFill>
+          <a:blip r:embed="rId3">
+            <a:extLst>
+              <a:ext uri="{28A0092B-C50C-407E-A947-70E740481C1C}">
+                <a14:useLocalDpi xmlns:a14="http://schemas.microsoft.com/office/drawing/2010/main" val="0"/>
+              </a:ext>
+            </a:extLst>
+          </a:blip>
+          <a:stretch>
+            <a:fillRect/>
+          </a:stretch>
+        </p:blipFill>
+        <p:spPr>
+          <a:xfrm>
+            <a:off x="3293536" y="2060020"/>
+            <a:ext cx="1562318" cy="2248214"/>
+          </a:xfrm>
+          <a:prstGeom prst="rect">
+            <a:avLst/>
+          </a:prstGeom>
+        </p:spPr>
+      </p:pic>
+      <p:sp>
+        <p:nvSpPr>
+          <p:cNvPr id="9" name="TextBox 8">
+            <a:extLst>
+              <a:ext uri="{FF2B5EF4-FFF2-40B4-BE49-F238E27FC236}">
+                <a16:creationId xmlns:a16="http://schemas.microsoft.com/office/drawing/2014/main" id="{99B8443B-6A7F-4B01-9E1B-F0442E39C4F1}"/>
+              </a:ext>
+            </a:extLst>
+          </p:cNvPr>
+          <p:cNvSpPr txBox="1"/>
+          <p:nvPr/>
+        </p:nvSpPr>
+        <p:spPr>
+          <a:xfrm>
+            <a:off x="3529263" y="1690688"/>
+            <a:ext cx="1326590" cy="369332"/>
+          </a:xfrm>
+          <a:prstGeom prst="rect">
+            <a:avLst/>
+          </a:prstGeom>
+          <a:noFill/>
+        </p:spPr>
+        <p:txBody>
+          <a:bodyPr wrap="square" rtlCol="0">
+            <a:spAutoFit/>
+          </a:bodyPr>
+          <a:lstStyle/>
+          <a:p>
+            <a:r>
+              <a:rPr lang="ru-RU" dirty="0"/>
+              <a:t>Размах</a:t>
+            </a:r>
+          </a:p>
+        </p:txBody>
+      </p:sp>
+      <p:pic>
+        <p:nvPicPr>
+          <p:cNvPr id="11" name="Рисунок 10">
+            <a:extLst>
+              <a:ext uri="{FF2B5EF4-FFF2-40B4-BE49-F238E27FC236}">
+                <a16:creationId xmlns:a16="http://schemas.microsoft.com/office/drawing/2014/main" id="{0C3058AB-19AB-47E8-BD17-B7306D1A632F}"/>
+              </a:ext>
+            </a:extLst>
+          </p:cNvPr>
+          <p:cNvPicPr>
+            <a:picLocks noChangeAspect="1"/>
+          </p:cNvPicPr>
+          <p:nvPr/>
+        </p:nvPicPr>
+        <p:blipFill>
+          <a:blip r:embed="rId4">
+            <a:extLst>
+              <a:ext uri="{28A0092B-C50C-407E-A947-70E740481C1C}">
+                <a14:useLocalDpi xmlns:a14="http://schemas.microsoft.com/office/drawing/2010/main" val="0"/>
+              </a:ext>
+            </a:extLst>
+          </a:blip>
+          <a:stretch>
+            <a:fillRect/>
+          </a:stretch>
+        </p:blipFill>
+        <p:spPr>
+          <a:xfrm>
+            <a:off x="5144596" y="2056009"/>
+            <a:ext cx="2057687" cy="1571844"/>
+          </a:xfrm>
+          <a:prstGeom prst="rect">
+            <a:avLst/>
+          </a:prstGeom>
+        </p:spPr>
+      </p:pic>
+      <p:sp>
+        <p:nvSpPr>
+          <p:cNvPr id="12" name="TextBox 11">
+            <a:extLst>
+              <a:ext uri="{FF2B5EF4-FFF2-40B4-BE49-F238E27FC236}">
+                <a16:creationId xmlns:a16="http://schemas.microsoft.com/office/drawing/2014/main" id="{A2060043-BAFA-4A3F-B034-BF304D29DE25}"/>
+              </a:ext>
+            </a:extLst>
+          </p:cNvPr>
+          <p:cNvSpPr txBox="1"/>
+          <p:nvPr/>
+        </p:nvSpPr>
+        <p:spPr>
+          <a:xfrm>
+            <a:off x="5178125" y="1690688"/>
+            <a:ext cx="2024158" cy="369332"/>
+          </a:xfrm>
+          <a:prstGeom prst="rect">
+            <a:avLst/>
+          </a:prstGeom>
+          <a:noFill/>
+        </p:spPr>
+        <p:txBody>
+          <a:bodyPr wrap="square" rtlCol="0">
+            <a:spAutoFit/>
+          </a:bodyPr>
+          <a:lstStyle/>
+          <a:p>
+            <a:r>
+              <a:rPr lang="ru-RU" dirty="0"/>
+              <a:t>Стандартное </a:t>
+            </a:r>
+            <a:r>
+              <a:rPr lang="ru-RU" dirty="0" err="1"/>
+              <a:t>откл</a:t>
+            </a:r>
+            <a:r>
+              <a:rPr lang="ru-RU" dirty="0"/>
+              <a:t>.</a:t>
+            </a:r>
+          </a:p>
+        </p:txBody>
+      </p:sp>
+      <p:pic>
+        <p:nvPicPr>
+          <p:cNvPr id="14" name="Рисунок 13">
+            <a:extLst>
+              <a:ext uri="{FF2B5EF4-FFF2-40B4-BE49-F238E27FC236}">
+                <a16:creationId xmlns:a16="http://schemas.microsoft.com/office/drawing/2014/main" id="{3DBAD17A-42C7-4F1A-95E2-41AFECCC122D}"/>
+              </a:ext>
+            </a:extLst>
+          </p:cNvPr>
+          <p:cNvPicPr>
+            <a:picLocks noChangeAspect="1"/>
+          </p:cNvPicPr>
+          <p:nvPr/>
+        </p:nvPicPr>
+        <p:blipFill>
+          <a:blip r:embed="rId5">
+            <a:extLst>
+              <a:ext uri="{28A0092B-C50C-407E-A947-70E740481C1C}">
+                <a14:useLocalDpi xmlns:a14="http://schemas.microsoft.com/office/drawing/2010/main" val="0"/>
+              </a:ext>
+            </a:extLst>
+          </a:blip>
+          <a:stretch>
+            <a:fillRect/>
+          </a:stretch>
+        </p:blipFill>
+        <p:spPr>
+          <a:xfrm>
+            <a:off x="7524554" y="2056009"/>
+            <a:ext cx="2095792" cy="1552792"/>
+          </a:xfrm>
+          <a:prstGeom prst="rect">
+            <a:avLst/>
+          </a:prstGeom>
+        </p:spPr>
+      </p:pic>
+      <p:sp>
+        <p:nvSpPr>
+          <p:cNvPr id="15" name="TextBox 14">
+            <a:extLst>
+              <a:ext uri="{FF2B5EF4-FFF2-40B4-BE49-F238E27FC236}">
+                <a16:creationId xmlns:a16="http://schemas.microsoft.com/office/drawing/2014/main" id="{3957FC41-6A7B-43AA-9451-04286AB741B9}"/>
+              </a:ext>
+            </a:extLst>
+          </p:cNvPr>
+          <p:cNvSpPr txBox="1"/>
+          <p:nvPr/>
+        </p:nvSpPr>
+        <p:spPr>
+          <a:xfrm>
+            <a:off x="7524554" y="1686677"/>
+            <a:ext cx="2095792" cy="369332"/>
+          </a:xfrm>
+          <a:prstGeom prst="rect">
+            <a:avLst/>
+          </a:prstGeom>
+          <a:noFill/>
+        </p:spPr>
+        <p:txBody>
+          <a:bodyPr wrap="square" rtlCol="0">
+            <a:spAutoFit/>
+          </a:bodyPr>
+          <a:lstStyle/>
+          <a:p>
+            <a:r>
+              <a:rPr lang="ru-RU" dirty="0"/>
+              <a:t>Дисперсия</a:t>
+            </a:r>
+          </a:p>
+        </p:txBody>
+      </p:sp>
+    </p:spTree>
+    <p:extLst>
+      <p:ext uri="{BB962C8B-B14F-4D97-AF65-F5344CB8AC3E}">
+        <p14:creationId xmlns:p14="http://schemas.microsoft.com/office/powerpoint/2010/main" val="3979501184"/>
+      </p:ext>
+    </p:extLst>
+  </p:cSld>
+  <p:clrMapOvr>
+    <a:masterClrMapping/>
+  </p:clrMapOvr>
+</p:sld>
+</file>
+
+<file path=ppt/slides/slide7.xml><?xml version="1.0" encoding="utf-8"?>
+<p:sld xmlns:a="http://schemas.openxmlformats.org/drawingml/2006/main" xmlns:r="http://schemas.openxmlformats.org/officeDocument/2006/relationships" xmlns:p="http://schemas.openxmlformats.org/presentationml/2006/main">
+  <p:cSld>
+    <p:spTree>
+      <p:nvGrpSpPr>
+        <p:cNvPr id="1" name=""/>
+        <p:cNvGrpSpPr/>
+        <p:nvPr/>
+      </p:nvGrpSpPr>
+      <p:grpSpPr>
+        <a:xfrm>
+          <a:off x="0" y="0"/>
+          <a:ext cx="0" cy="0"/>
+          <a:chOff x="0" y="0"/>
+          <a:chExt cx="0" cy="0"/>
+        </a:xfrm>
+      </p:grpSpPr>
+      <p:sp>
+        <p:nvSpPr>
+          <p:cNvPr id="2" name="Заголовок 1">
+            <a:extLst>
+              <a:ext uri="{FF2B5EF4-FFF2-40B4-BE49-F238E27FC236}">
+                <a16:creationId xmlns:a16="http://schemas.microsoft.com/office/drawing/2014/main" id="{DFFF530E-E01A-45FC-84F1-E8102FEB1904}"/>
+              </a:ext>
+            </a:extLst>
+          </p:cNvPr>
+          <p:cNvSpPr>
+            <a:spLocks noGrp="1"/>
+          </p:cNvSpPr>
+          <p:nvPr>
+            <p:ph type="title"/>
+          </p:nvPr>
+        </p:nvSpPr>
+        <p:spPr/>
+        <p:txBody>
+          <a:bodyPr/>
+          <a:lstStyle/>
+          <a:p>
+            <a:r>
+              <a:rPr lang="ru-RU" dirty="0"/>
+              <a:t>Вывод из описательной статистики </a:t>
+            </a:r>
+          </a:p>
+        </p:txBody>
+      </p:sp>
+      <p:sp>
+        <p:nvSpPr>
+          <p:cNvPr id="3" name="Объект 2">
+            <a:extLst>
+              <a:ext uri="{FF2B5EF4-FFF2-40B4-BE49-F238E27FC236}">
+                <a16:creationId xmlns:a16="http://schemas.microsoft.com/office/drawing/2014/main" id="{849F9E11-B0F3-44C3-8409-7B6D2A66EBF8}"/>
+              </a:ext>
+            </a:extLst>
+          </p:cNvPr>
+          <p:cNvSpPr>
+            <a:spLocks noGrp="1"/>
+          </p:cNvSpPr>
+          <p:nvPr>
+            <p:ph idx="1"/>
+          </p:nvPr>
+        </p:nvSpPr>
+        <p:spPr/>
+        <p:txBody>
+          <a:bodyPr/>
+          <a:lstStyle/>
+          <a:p>
+            <a:r>
+              <a:rPr lang="ru-RU" dirty="0"/>
+              <a:t>Все переменные имеют свойственные себе показатели, ибо </a:t>
+            </a:r>
+            <a:r>
+              <a:rPr lang="ru-RU" dirty="0" err="1"/>
+              <a:t>криптовалютный</a:t>
+            </a:r>
+            <a:r>
+              <a:rPr lang="ru-RU" dirty="0"/>
+              <a:t> рынок специфичен и допускает резкие взлеты и падения курсов токенов, а так же их количество в обращении.</a:t>
+            </a:r>
+          </a:p>
+        </p:txBody>
+      </p:sp>
+    </p:spTree>
+    <p:extLst>
+      <p:ext uri="{BB962C8B-B14F-4D97-AF65-F5344CB8AC3E}">
+        <p14:creationId xmlns:p14="http://schemas.microsoft.com/office/powerpoint/2010/main" val="413600657"/>
       </p:ext>
     </p:extLst>
   </p:cSld>

--- a/Crypto/Анализ данных.pptx
+++ b/Crypto/Анализ данных.pptx
@@ -12,6 +12,9 @@
     <p:sldId id="260" r:id="rId6"/>
     <p:sldId id="261" r:id="rId7"/>
     <p:sldId id="262" r:id="rId8"/>
+    <p:sldId id="263" r:id="rId9"/>
+    <p:sldId id="265" r:id="rId10"/>
+    <p:sldId id="264" r:id="rId11"/>
   </p:sldIdLst>
   <p:sldSz cx="12192000" cy="6858000"/>
   <p:notesSz cx="6858000" cy="9144000"/>
@@ -277,7 +280,7 @@
           <a:p>
             <a:fld id="{4AB0DFBA-1FEB-4E3A-8928-94C92E955219}" type="datetimeFigureOut">
               <a:rPr lang="ru-RU" smtClean="0"/>
-              <a:t>21.04.2020</a:t>
+              <a:t>21.06.2020</a:t>
             </a:fld>
             <a:endParaRPr lang="ru-RU"/>
           </a:p>
@@ -475,7 +478,7 @@
           <a:p>
             <a:fld id="{4AB0DFBA-1FEB-4E3A-8928-94C92E955219}" type="datetimeFigureOut">
               <a:rPr lang="ru-RU" smtClean="0"/>
-              <a:t>21.04.2020</a:t>
+              <a:t>21.06.2020</a:t>
             </a:fld>
             <a:endParaRPr lang="ru-RU"/>
           </a:p>
@@ -683,7 +686,7 @@
           <a:p>
             <a:fld id="{4AB0DFBA-1FEB-4E3A-8928-94C92E955219}" type="datetimeFigureOut">
               <a:rPr lang="ru-RU" smtClean="0"/>
-              <a:t>21.04.2020</a:t>
+              <a:t>21.06.2020</a:t>
             </a:fld>
             <a:endParaRPr lang="ru-RU"/>
           </a:p>
@@ -881,7 +884,7 @@
           <a:p>
             <a:fld id="{4AB0DFBA-1FEB-4E3A-8928-94C92E955219}" type="datetimeFigureOut">
               <a:rPr lang="ru-RU" smtClean="0"/>
-              <a:t>21.04.2020</a:t>
+              <a:t>21.06.2020</a:t>
             </a:fld>
             <a:endParaRPr lang="ru-RU"/>
           </a:p>
@@ -1156,7 +1159,7 @@
           <a:p>
             <a:fld id="{4AB0DFBA-1FEB-4E3A-8928-94C92E955219}" type="datetimeFigureOut">
               <a:rPr lang="ru-RU" smtClean="0"/>
-              <a:t>21.04.2020</a:t>
+              <a:t>21.06.2020</a:t>
             </a:fld>
             <a:endParaRPr lang="ru-RU"/>
           </a:p>
@@ -1421,7 +1424,7 @@
           <a:p>
             <a:fld id="{4AB0DFBA-1FEB-4E3A-8928-94C92E955219}" type="datetimeFigureOut">
               <a:rPr lang="ru-RU" smtClean="0"/>
-              <a:t>21.04.2020</a:t>
+              <a:t>21.06.2020</a:t>
             </a:fld>
             <a:endParaRPr lang="ru-RU"/>
           </a:p>
@@ -1833,7 +1836,7 @@
           <a:p>
             <a:fld id="{4AB0DFBA-1FEB-4E3A-8928-94C92E955219}" type="datetimeFigureOut">
               <a:rPr lang="ru-RU" smtClean="0"/>
-              <a:t>21.04.2020</a:t>
+              <a:t>21.06.2020</a:t>
             </a:fld>
             <a:endParaRPr lang="ru-RU"/>
           </a:p>
@@ -1974,7 +1977,7 @@
           <a:p>
             <a:fld id="{4AB0DFBA-1FEB-4E3A-8928-94C92E955219}" type="datetimeFigureOut">
               <a:rPr lang="ru-RU" smtClean="0"/>
-              <a:t>21.04.2020</a:t>
+              <a:t>21.06.2020</a:t>
             </a:fld>
             <a:endParaRPr lang="ru-RU"/>
           </a:p>
@@ -2087,7 +2090,7 @@
           <a:p>
             <a:fld id="{4AB0DFBA-1FEB-4E3A-8928-94C92E955219}" type="datetimeFigureOut">
               <a:rPr lang="ru-RU" smtClean="0"/>
-              <a:t>21.04.2020</a:t>
+              <a:t>21.06.2020</a:t>
             </a:fld>
             <a:endParaRPr lang="ru-RU"/>
           </a:p>
@@ -2398,7 +2401,7 @@
           <a:p>
             <a:fld id="{4AB0DFBA-1FEB-4E3A-8928-94C92E955219}" type="datetimeFigureOut">
               <a:rPr lang="ru-RU" smtClean="0"/>
-              <a:t>21.04.2020</a:t>
+              <a:t>21.06.2020</a:t>
             </a:fld>
             <a:endParaRPr lang="ru-RU"/>
           </a:p>
@@ -2686,7 +2689,7 @@
           <a:p>
             <a:fld id="{4AB0DFBA-1FEB-4E3A-8928-94C92E955219}" type="datetimeFigureOut">
               <a:rPr lang="ru-RU" smtClean="0"/>
-              <a:t>21.04.2020</a:t>
+              <a:t>21.06.2020</a:t>
             </a:fld>
             <a:endParaRPr lang="ru-RU"/>
           </a:p>
@@ -2927,7 +2930,7 @@
           <a:p>
             <a:fld id="{4AB0DFBA-1FEB-4E3A-8928-94C92E955219}" type="datetimeFigureOut">
               <a:rPr lang="ru-RU" smtClean="0"/>
-              <a:t>21.04.2020</a:t>
+              <a:t>21.06.2020</a:t>
             </a:fld>
             <a:endParaRPr lang="ru-RU"/>
           </a:p>
@@ -3413,6 +3416,105 @@
 </p:sld>
 </file>
 
+<file path=ppt/slides/slide10.xml><?xml version="1.0" encoding="utf-8"?>
+<p:sld xmlns:a="http://schemas.openxmlformats.org/drawingml/2006/main" xmlns:r="http://schemas.openxmlformats.org/officeDocument/2006/relationships" xmlns:p="http://schemas.openxmlformats.org/presentationml/2006/main">
+  <p:cSld>
+    <p:spTree>
+      <p:nvGrpSpPr>
+        <p:cNvPr id="1" name=""/>
+        <p:cNvGrpSpPr/>
+        <p:nvPr/>
+      </p:nvGrpSpPr>
+      <p:grpSpPr>
+        <a:xfrm>
+          <a:off x="0" y="0"/>
+          <a:ext cx="0" cy="0"/>
+          <a:chOff x="0" y="0"/>
+          <a:chExt cx="0" cy="0"/>
+        </a:xfrm>
+      </p:grpSpPr>
+      <p:sp>
+        <p:nvSpPr>
+          <p:cNvPr id="2" name="Заголовок 1">
+            <a:extLst>
+              <a:ext uri="{FF2B5EF4-FFF2-40B4-BE49-F238E27FC236}">
+                <a16:creationId xmlns:a16="http://schemas.microsoft.com/office/drawing/2014/main" id="{83A4E9D5-7366-4A41-A08E-B9299770A0AE}"/>
+              </a:ext>
+            </a:extLst>
+          </p:cNvPr>
+          <p:cNvSpPr>
+            <a:spLocks noGrp="1"/>
+          </p:cNvSpPr>
+          <p:nvPr>
+            <p:ph type="title"/>
+          </p:nvPr>
+        </p:nvSpPr>
+        <p:spPr/>
+        <p:txBody>
+          <a:bodyPr/>
+          <a:lstStyle/>
+          <a:p>
+            <a:r>
+              <a:rPr lang="ru-RU" dirty="0"/>
+              <a:t>Вывод</a:t>
+            </a:r>
+          </a:p>
+        </p:txBody>
+      </p:sp>
+      <p:sp>
+        <p:nvSpPr>
+          <p:cNvPr id="3" name="Объект 2">
+            <a:extLst>
+              <a:ext uri="{FF2B5EF4-FFF2-40B4-BE49-F238E27FC236}">
+                <a16:creationId xmlns:a16="http://schemas.microsoft.com/office/drawing/2014/main" id="{F8517113-3384-4C1C-A0E5-F2D5BED179C1}"/>
+              </a:ext>
+            </a:extLst>
+          </p:cNvPr>
+          <p:cNvSpPr>
+            <a:spLocks noGrp="1"/>
+          </p:cNvSpPr>
+          <p:nvPr>
+            <p:ph idx="1"/>
+          </p:nvPr>
+        </p:nvSpPr>
+        <p:spPr/>
+        <p:txBody>
+          <a:bodyPr/>
+          <a:lstStyle/>
+          <a:p>
+            <a:r>
+              <a:rPr lang="ru-RU" dirty="0" err="1"/>
+              <a:t>Криптовалютный</a:t>
+            </a:r>
+            <a:r>
+              <a:rPr lang="ru-RU" dirty="0"/>
+              <a:t> рынок непредсказуем. Начало тренда на криптовалюты в конце 2017 года, подкрепляемого серьезным вниманием со стороны СМИ, которые познакомили массу людей с этим рынком, просто вознесли стоимость криптовалют вверх. Это объясняет зависимость рынка от различных внешних событий</a:t>
+            </a:r>
+          </a:p>
+          <a:p>
+            <a:r>
+              <a:rPr lang="ru-RU" dirty="0"/>
+              <a:t>Данные, которые были</a:t>
+            </a:r>
+          </a:p>
+          <a:p>
+            <a:endParaRPr lang="ru-RU" dirty="0"/>
+          </a:p>
+        </p:txBody>
+      </p:sp>
+    </p:spTree>
+    <p:extLst>
+      <p:ext uri="{BB962C8B-B14F-4D97-AF65-F5344CB8AC3E}">
+        <p14:creationId xmlns:p14="http://schemas.microsoft.com/office/powerpoint/2010/main" val="175491251"/>
+      </p:ext>
+    </p:extLst>
+  </p:cSld>
+  <p:clrMapOvr>
+    <a:masterClrMapping/>
+  </p:clrMapOvr>
+</p:sld>
+</file>
+
 <file path=ppt/slides/slide2.xml><?xml version="1.0" encoding="utf-8"?>
 <p:sld xmlns:a="http://schemas.openxmlformats.org/drawingml/2006/main" xmlns:r="http://schemas.openxmlformats.org/officeDocument/2006/relationships" xmlns:p="http://schemas.openxmlformats.org/presentationml/2006/main">
   <p:cSld>
@@ -3591,7 +3693,7 @@
           <a:p>
             <a:r>
               <a:rPr lang="ru-RU" dirty="0"/>
-              <a:t>Анализ </a:t>
+              <a:t>Фиксирование трендов </a:t>
             </a:r>
             <a:r>
               <a:rPr lang="ru-RU" dirty="0" err="1"/>
@@ -3599,7 +3701,7 @@
             </a:r>
             <a:r>
               <a:rPr lang="ru-RU" dirty="0"/>
-              <a:t> рынка в определенный временной промежуток</a:t>
+              <a:t> рынка</a:t>
             </a:r>
           </a:p>
           <a:p>
@@ -4912,7 +5014,7 @@
             </a:r>
             <a:r>
               <a:rPr lang="ru-RU" dirty="0"/>
-              <a:t> рынок специфичен и допускает резкие взлеты и падения курсов токенов, а так же их количество в обращении.</a:t>
+              <a:t> рынок специфичен и допускает резкие взлеты и падения курсов токенов, а так же их количество в обращении. </a:t>
             </a:r>
           </a:p>
         </p:txBody>
@@ -4921,6 +5023,172 @@
     <p:extLst>
       <p:ext uri="{BB962C8B-B14F-4D97-AF65-F5344CB8AC3E}">
         <p14:creationId xmlns:p14="http://schemas.microsoft.com/office/powerpoint/2010/main" val="413600657"/>
+      </p:ext>
+    </p:extLst>
+  </p:cSld>
+  <p:clrMapOvr>
+    <a:masterClrMapping/>
+  </p:clrMapOvr>
+</p:sld>
+</file>
+
+<file path=ppt/slides/slide8.xml><?xml version="1.0" encoding="utf-8"?>
+<p:sld xmlns:a="http://schemas.openxmlformats.org/drawingml/2006/main" xmlns:r="http://schemas.openxmlformats.org/officeDocument/2006/relationships" xmlns:p="http://schemas.openxmlformats.org/presentationml/2006/main">
+  <p:cSld>
+    <p:spTree>
+      <p:nvGrpSpPr>
+        <p:cNvPr id="1" name=""/>
+        <p:cNvGrpSpPr/>
+        <p:nvPr/>
+      </p:nvGrpSpPr>
+      <p:grpSpPr>
+        <a:xfrm>
+          <a:off x="0" y="0"/>
+          <a:ext cx="0" cy="0"/>
+          <a:chOff x="0" y="0"/>
+          <a:chExt cx="0" cy="0"/>
+        </a:xfrm>
+      </p:grpSpPr>
+      <p:sp>
+        <p:nvSpPr>
+          <p:cNvPr id="2" name="Заголовок 1">
+            <a:extLst>
+              <a:ext uri="{FF2B5EF4-FFF2-40B4-BE49-F238E27FC236}">
+                <a16:creationId xmlns:a16="http://schemas.microsoft.com/office/drawing/2014/main" id="{3BA67037-26DC-472F-8865-80DC3454439C}"/>
+              </a:ext>
+            </a:extLst>
+          </p:cNvPr>
+          <p:cNvSpPr>
+            <a:spLocks noGrp="1"/>
+          </p:cNvSpPr>
+          <p:nvPr>
+            <p:ph type="title"/>
+          </p:nvPr>
+        </p:nvSpPr>
+        <p:spPr/>
+        <p:txBody>
+          <a:bodyPr/>
+          <a:lstStyle/>
+          <a:p>
+            <a:r>
+              <a:rPr lang="ru-RU" dirty="0"/>
+              <a:t>Подготовка данных</a:t>
+            </a:r>
+          </a:p>
+        </p:txBody>
+      </p:sp>
+      <p:sp>
+        <p:nvSpPr>
+          <p:cNvPr id="3" name="Объект 2">
+            <a:extLst>
+              <a:ext uri="{FF2B5EF4-FFF2-40B4-BE49-F238E27FC236}">
+                <a16:creationId xmlns:a16="http://schemas.microsoft.com/office/drawing/2014/main" id="{DC88A093-B6C7-4A3A-B211-5DAFEB478213}"/>
+              </a:ext>
+            </a:extLst>
+          </p:cNvPr>
+          <p:cNvSpPr>
+            <a:spLocks noGrp="1"/>
+          </p:cNvSpPr>
+          <p:nvPr>
+            <p:ph idx="1"/>
+          </p:nvPr>
+        </p:nvSpPr>
+        <p:spPr/>
+        <p:txBody>
+          <a:bodyPr/>
+          <a:lstStyle/>
+          <a:p>
+            <a:endParaRPr lang="ru-RU"/>
+          </a:p>
+        </p:txBody>
+      </p:sp>
+    </p:spTree>
+    <p:extLst>
+      <p:ext uri="{BB962C8B-B14F-4D97-AF65-F5344CB8AC3E}">
+        <p14:creationId xmlns:p14="http://schemas.microsoft.com/office/powerpoint/2010/main" val="2151246435"/>
+      </p:ext>
+    </p:extLst>
+  </p:cSld>
+  <p:clrMapOvr>
+    <a:masterClrMapping/>
+  </p:clrMapOvr>
+</p:sld>
+</file>
+
+<file path=ppt/slides/slide9.xml><?xml version="1.0" encoding="utf-8"?>
+<p:sld xmlns:a="http://schemas.openxmlformats.org/drawingml/2006/main" xmlns:r="http://schemas.openxmlformats.org/officeDocument/2006/relationships" xmlns:p="http://schemas.openxmlformats.org/presentationml/2006/main">
+  <p:cSld>
+    <p:spTree>
+      <p:nvGrpSpPr>
+        <p:cNvPr id="1" name=""/>
+        <p:cNvGrpSpPr/>
+        <p:nvPr/>
+      </p:nvGrpSpPr>
+      <p:grpSpPr>
+        <a:xfrm>
+          <a:off x="0" y="0"/>
+          <a:ext cx="0" cy="0"/>
+          <a:chOff x="0" y="0"/>
+          <a:chExt cx="0" cy="0"/>
+        </a:xfrm>
+      </p:grpSpPr>
+      <p:sp>
+        <p:nvSpPr>
+          <p:cNvPr id="2" name="Заголовок 1">
+            <a:extLst>
+              <a:ext uri="{FF2B5EF4-FFF2-40B4-BE49-F238E27FC236}">
+                <a16:creationId xmlns:a16="http://schemas.microsoft.com/office/drawing/2014/main" id="{E0564254-211E-4278-9F69-866A1D0310FD}"/>
+              </a:ext>
+            </a:extLst>
+          </p:cNvPr>
+          <p:cNvSpPr>
+            <a:spLocks noGrp="1"/>
+          </p:cNvSpPr>
+          <p:nvPr>
+            <p:ph type="title"/>
+          </p:nvPr>
+        </p:nvSpPr>
+        <p:spPr/>
+        <p:txBody>
+          <a:bodyPr/>
+          <a:lstStyle/>
+          <a:p>
+            <a:r>
+              <a:rPr lang="ru-RU" dirty="0"/>
+              <a:t>Исследование</a:t>
+            </a:r>
+          </a:p>
+        </p:txBody>
+      </p:sp>
+      <p:sp>
+        <p:nvSpPr>
+          <p:cNvPr id="3" name="Объект 2">
+            <a:extLst>
+              <a:ext uri="{FF2B5EF4-FFF2-40B4-BE49-F238E27FC236}">
+                <a16:creationId xmlns:a16="http://schemas.microsoft.com/office/drawing/2014/main" id="{FF6855D8-442E-450A-B58F-82D51DD29511}"/>
+              </a:ext>
+            </a:extLst>
+          </p:cNvPr>
+          <p:cNvSpPr>
+            <a:spLocks noGrp="1"/>
+          </p:cNvSpPr>
+          <p:nvPr>
+            <p:ph idx="1"/>
+          </p:nvPr>
+        </p:nvSpPr>
+        <p:spPr/>
+        <p:txBody>
+          <a:bodyPr/>
+          <a:lstStyle/>
+          <a:p>
+            <a:endParaRPr lang="ru-RU"/>
+          </a:p>
+        </p:txBody>
+      </p:sp>
+    </p:spTree>
+    <p:extLst>
+      <p:ext uri="{BB962C8B-B14F-4D97-AF65-F5344CB8AC3E}">
+        <p14:creationId xmlns:p14="http://schemas.microsoft.com/office/powerpoint/2010/main" val="2860896330"/>
       </p:ext>
     </p:extLst>
   </p:cSld>

--- a/Crypto/Анализ данных.pptx
+++ b/Crypto/Анализ данных.pptx
@@ -14,7 +14,20 @@
     <p:sldId id="262" r:id="rId8"/>
     <p:sldId id="263" r:id="rId9"/>
     <p:sldId id="265" r:id="rId10"/>
-    <p:sldId id="264" r:id="rId11"/>
+    <p:sldId id="266" r:id="rId11"/>
+    <p:sldId id="267" r:id="rId12"/>
+    <p:sldId id="268" r:id="rId13"/>
+    <p:sldId id="269" r:id="rId14"/>
+    <p:sldId id="270" r:id="rId15"/>
+    <p:sldId id="271" r:id="rId16"/>
+    <p:sldId id="272" r:id="rId17"/>
+    <p:sldId id="273" r:id="rId18"/>
+    <p:sldId id="274" r:id="rId19"/>
+    <p:sldId id="275" r:id="rId20"/>
+    <p:sldId id="276" r:id="rId21"/>
+    <p:sldId id="277" r:id="rId22"/>
+    <p:sldId id="278" r:id="rId23"/>
+    <p:sldId id="264" r:id="rId24"/>
   </p:sldIdLst>
   <p:sldSz cx="12192000" cy="6858000"/>
   <p:notesSz cx="6858000" cy="9144000"/>
@@ -3438,7 +3451,7 @@
           <p:cNvPr id="2" name="Заголовок 1">
             <a:extLst>
               <a:ext uri="{FF2B5EF4-FFF2-40B4-BE49-F238E27FC236}">
-                <a16:creationId xmlns:a16="http://schemas.microsoft.com/office/drawing/2014/main" id="{83A4E9D5-7366-4A41-A08E-B9299770A0AE}"/>
+                <a16:creationId xmlns:a16="http://schemas.microsoft.com/office/drawing/2014/main" id="{E0564254-211E-4278-9F69-866A1D0310FD}"/>
               </a:ext>
             </a:extLst>
           </p:cNvPr>
@@ -3456,7 +3469,7 @@
           <a:p>
             <a:r>
               <a:rPr lang="ru-RU" dirty="0"/>
-              <a:t>Вывод</a:t>
+              <a:t>Исследование</a:t>
             </a:r>
           </a:p>
         </p:txBody>
@@ -3466,7 +3479,7 @@
           <p:cNvPr id="3" name="Объект 2">
             <a:extLst>
               <a:ext uri="{FF2B5EF4-FFF2-40B4-BE49-F238E27FC236}">
-                <a16:creationId xmlns:a16="http://schemas.microsoft.com/office/drawing/2014/main" id="{F8517113-3384-4C1C-A0E5-F2D5BED179C1}"/>
+                <a16:creationId xmlns:a16="http://schemas.microsoft.com/office/drawing/2014/main" id="{FF6855D8-442E-450A-B58F-82D51DD29511}"/>
               </a:ext>
             </a:extLst>
           </p:cNvPr>
@@ -3483,29 +3496,1214 @@
           <a:lstStyle/>
           <a:p>
             <a:r>
-              <a:rPr lang="ru-RU" dirty="0" err="1"/>
-              <a:t>Криптовалютный</a:t>
-            </a:r>
-            <a:r>
               <a:rPr lang="ru-RU" dirty="0"/>
-              <a:t> рынок непредсказуем. Начало тренда на криптовалюты в конце 2017 года, подкрепляемого серьезным вниманием со стороны СМИ, которые познакомили массу людей с этим рынком, просто вознесли стоимость криптовалют вверх. Это объясняет зависимость рынка от различных внешних событий</a:t>
-            </a:r>
-          </a:p>
-          <a:p>
-            <a:r>
-              <a:rPr lang="ru-RU" dirty="0"/>
-              <a:t>Данные, которые были</a:t>
-            </a:r>
-          </a:p>
-          <a:p>
-            <a:endParaRPr lang="ru-RU" dirty="0"/>
-          </a:p>
-        </p:txBody>
-      </p:sp>
+              <a:t>Обратимся к сравнению цены вторых 10 криптовалют по капитализации</a:t>
+            </a:r>
+          </a:p>
+        </p:txBody>
+      </p:sp>
+      <p:pic>
+        <p:nvPicPr>
+          <p:cNvPr id="10" name="Рисунок 9">
+            <a:extLst>
+              <a:ext uri="{FF2B5EF4-FFF2-40B4-BE49-F238E27FC236}">
+                <a16:creationId xmlns:a16="http://schemas.microsoft.com/office/drawing/2014/main" id="{560B0A13-5524-48AA-BCD7-E7492A27FD67}"/>
+              </a:ext>
+            </a:extLst>
+          </p:cNvPr>
+          <p:cNvPicPr>
+            <a:picLocks noChangeAspect="1"/>
+          </p:cNvPicPr>
+          <p:nvPr/>
+        </p:nvPicPr>
+        <p:blipFill>
+          <a:blip r:embed="rId2">
+            <a:extLst>
+              <a:ext uri="{28A0092B-C50C-407E-A947-70E740481C1C}">
+                <a14:useLocalDpi xmlns:a14="http://schemas.microsoft.com/office/drawing/2010/main" val="0"/>
+              </a:ext>
+            </a:extLst>
+          </a:blip>
+          <a:stretch>
+            <a:fillRect/>
+          </a:stretch>
+        </p:blipFill>
+        <p:spPr>
+          <a:xfrm>
+            <a:off x="4206648" y="2301290"/>
+            <a:ext cx="5639587" cy="4191585"/>
+          </a:xfrm>
+          <a:prstGeom prst="rect">
+            <a:avLst/>
+          </a:prstGeom>
+        </p:spPr>
+      </p:pic>
     </p:spTree>
     <p:extLst>
       <p:ext uri="{BB962C8B-B14F-4D97-AF65-F5344CB8AC3E}">
-        <p14:creationId xmlns:p14="http://schemas.microsoft.com/office/powerpoint/2010/main" val="175491251"/>
+        <p14:creationId xmlns:p14="http://schemas.microsoft.com/office/powerpoint/2010/main" val="3231818549"/>
+      </p:ext>
+    </p:extLst>
+  </p:cSld>
+  <p:clrMapOvr>
+    <a:masterClrMapping/>
+  </p:clrMapOvr>
+</p:sld>
+</file>
+
+<file path=ppt/slides/slide11.xml><?xml version="1.0" encoding="utf-8"?>
+<p:sld xmlns:a="http://schemas.openxmlformats.org/drawingml/2006/main" xmlns:r="http://schemas.openxmlformats.org/officeDocument/2006/relationships" xmlns:p="http://schemas.openxmlformats.org/presentationml/2006/main">
+  <p:cSld>
+    <p:spTree>
+      <p:nvGrpSpPr>
+        <p:cNvPr id="1" name=""/>
+        <p:cNvGrpSpPr/>
+        <p:nvPr/>
+      </p:nvGrpSpPr>
+      <p:grpSpPr>
+        <a:xfrm>
+          <a:off x="0" y="0"/>
+          <a:ext cx="0" cy="0"/>
+          <a:chOff x="0" y="0"/>
+          <a:chExt cx="0" cy="0"/>
+        </a:xfrm>
+      </p:grpSpPr>
+      <p:sp>
+        <p:nvSpPr>
+          <p:cNvPr id="2" name="Заголовок 1">
+            <a:extLst>
+              <a:ext uri="{FF2B5EF4-FFF2-40B4-BE49-F238E27FC236}">
+                <a16:creationId xmlns:a16="http://schemas.microsoft.com/office/drawing/2014/main" id="{C5DA0115-E076-4887-B10F-5C30324ADDA9}"/>
+              </a:ext>
+            </a:extLst>
+          </p:cNvPr>
+          <p:cNvSpPr>
+            <a:spLocks noGrp="1"/>
+          </p:cNvSpPr>
+          <p:nvPr>
+            <p:ph type="title"/>
+          </p:nvPr>
+        </p:nvSpPr>
+        <p:spPr/>
+        <p:txBody>
+          <a:bodyPr/>
+          <a:lstStyle/>
+          <a:p>
+            <a:r>
+              <a:rPr lang="ru-RU" dirty="0"/>
+              <a:t>Исследование</a:t>
+            </a:r>
+          </a:p>
+        </p:txBody>
+      </p:sp>
+      <p:sp>
+        <p:nvSpPr>
+          <p:cNvPr id="3" name="Объект 2">
+            <a:extLst>
+              <a:ext uri="{FF2B5EF4-FFF2-40B4-BE49-F238E27FC236}">
+                <a16:creationId xmlns:a16="http://schemas.microsoft.com/office/drawing/2014/main" id="{6CEE3279-3343-4641-8133-BB23FC3B1CCD}"/>
+              </a:ext>
+            </a:extLst>
+          </p:cNvPr>
+          <p:cNvSpPr>
+            <a:spLocks noGrp="1"/>
+          </p:cNvSpPr>
+          <p:nvPr>
+            <p:ph idx="1"/>
+          </p:nvPr>
+        </p:nvSpPr>
+        <p:spPr/>
+        <p:txBody>
+          <a:bodyPr>
+            <a:normAutofit/>
+          </a:bodyPr>
+          <a:lstStyle/>
+          <a:p>
+            <a:r>
+              <a:rPr lang="ru-RU" sz="1600" dirty="0"/>
+              <a:t>Мы можем наблюдать резкий положительный скачек (и естественный спад) в стоимостях валюты обеих категорий в конце 2017 года</a:t>
+            </a:r>
+          </a:p>
+        </p:txBody>
+      </p:sp>
+      <p:pic>
+        <p:nvPicPr>
+          <p:cNvPr id="5" name="Рисунок 4">
+            <a:extLst>
+              <a:ext uri="{FF2B5EF4-FFF2-40B4-BE49-F238E27FC236}">
+                <a16:creationId xmlns:a16="http://schemas.microsoft.com/office/drawing/2014/main" id="{11482766-E44F-4674-8A57-FBA16AD386F9}"/>
+              </a:ext>
+            </a:extLst>
+          </p:cNvPr>
+          <p:cNvPicPr>
+            <a:picLocks noChangeAspect="1"/>
+          </p:cNvPicPr>
+          <p:nvPr/>
+        </p:nvPicPr>
+        <p:blipFill>
+          <a:blip r:embed="rId2">
+            <a:extLst>
+              <a:ext uri="{28A0092B-C50C-407E-A947-70E740481C1C}">
+                <a14:useLocalDpi xmlns:a14="http://schemas.microsoft.com/office/drawing/2010/main" val="0"/>
+              </a:ext>
+            </a:extLst>
+          </a:blip>
+          <a:stretch>
+            <a:fillRect/>
+          </a:stretch>
+        </p:blipFill>
+        <p:spPr>
+          <a:xfrm>
+            <a:off x="838200" y="2284743"/>
+            <a:ext cx="5639587" cy="4220164"/>
+          </a:xfrm>
+          <a:prstGeom prst="rect">
+            <a:avLst/>
+          </a:prstGeom>
+        </p:spPr>
+      </p:pic>
+      <p:pic>
+        <p:nvPicPr>
+          <p:cNvPr id="7" name="Рисунок 6">
+            <a:extLst>
+              <a:ext uri="{FF2B5EF4-FFF2-40B4-BE49-F238E27FC236}">
+                <a16:creationId xmlns:a16="http://schemas.microsoft.com/office/drawing/2014/main" id="{2DF61EAE-CB13-4FD5-A4BB-E8BBC49E0C1F}"/>
+              </a:ext>
+            </a:extLst>
+          </p:cNvPr>
+          <p:cNvPicPr>
+            <a:picLocks noChangeAspect="1"/>
+          </p:cNvPicPr>
+          <p:nvPr/>
+        </p:nvPicPr>
+        <p:blipFill>
+          <a:blip r:embed="rId3">
+            <a:extLst>
+              <a:ext uri="{28A0092B-C50C-407E-A947-70E740481C1C}">
+                <a14:useLocalDpi xmlns:a14="http://schemas.microsoft.com/office/drawing/2010/main" val="0"/>
+              </a:ext>
+            </a:extLst>
+          </a:blip>
+          <a:stretch>
+            <a:fillRect/>
+          </a:stretch>
+        </p:blipFill>
+        <p:spPr>
+          <a:xfrm>
+            <a:off x="6523834" y="2341901"/>
+            <a:ext cx="5668166" cy="4163006"/>
+          </a:xfrm>
+          <a:prstGeom prst="rect">
+            <a:avLst/>
+          </a:prstGeom>
+        </p:spPr>
+      </p:pic>
+    </p:spTree>
+    <p:extLst>
+      <p:ext uri="{BB962C8B-B14F-4D97-AF65-F5344CB8AC3E}">
+        <p14:creationId xmlns:p14="http://schemas.microsoft.com/office/powerpoint/2010/main" val="2922313202"/>
+      </p:ext>
+    </p:extLst>
+  </p:cSld>
+  <p:clrMapOvr>
+    <a:masterClrMapping/>
+  </p:clrMapOvr>
+</p:sld>
+</file>
+
+<file path=ppt/slides/slide12.xml><?xml version="1.0" encoding="utf-8"?>
+<p:sld xmlns:a="http://schemas.openxmlformats.org/drawingml/2006/main" xmlns:r="http://schemas.openxmlformats.org/officeDocument/2006/relationships" xmlns:p="http://schemas.openxmlformats.org/presentationml/2006/main">
+  <p:cSld>
+    <p:spTree>
+      <p:nvGrpSpPr>
+        <p:cNvPr id="1" name=""/>
+        <p:cNvGrpSpPr/>
+        <p:nvPr/>
+      </p:nvGrpSpPr>
+      <p:grpSpPr>
+        <a:xfrm>
+          <a:off x="0" y="0"/>
+          <a:ext cx="0" cy="0"/>
+          <a:chOff x="0" y="0"/>
+          <a:chExt cx="0" cy="0"/>
+        </a:xfrm>
+      </p:grpSpPr>
+      <p:sp>
+        <p:nvSpPr>
+          <p:cNvPr id="2" name="Заголовок 1">
+            <a:extLst>
+              <a:ext uri="{FF2B5EF4-FFF2-40B4-BE49-F238E27FC236}">
+                <a16:creationId xmlns:a16="http://schemas.microsoft.com/office/drawing/2014/main" id="{36CE2984-187D-43B9-9CE4-33851727AA3D}"/>
+              </a:ext>
+            </a:extLst>
+          </p:cNvPr>
+          <p:cNvSpPr>
+            <a:spLocks noGrp="1"/>
+          </p:cNvSpPr>
+          <p:nvPr>
+            <p:ph type="title"/>
+          </p:nvPr>
+        </p:nvSpPr>
+        <p:spPr/>
+        <p:txBody>
+          <a:bodyPr/>
+          <a:lstStyle/>
+          <a:p>
+            <a:r>
+              <a:rPr lang="ru-RU" dirty="0"/>
+              <a:t>Подготовка к построению моделей</a:t>
+            </a:r>
+          </a:p>
+        </p:txBody>
+      </p:sp>
+      <p:sp>
+        <p:nvSpPr>
+          <p:cNvPr id="3" name="Объект 2">
+            <a:extLst>
+              <a:ext uri="{FF2B5EF4-FFF2-40B4-BE49-F238E27FC236}">
+                <a16:creationId xmlns:a16="http://schemas.microsoft.com/office/drawing/2014/main" id="{FEAA613D-C642-40F3-9AAE-D0BA57DC076D}"/>
+              </a:ext>
+            </a:extLst>
+          </p:cNvPr>
+          <p:cNvSpPr>
+            <a:spLocks noGrp="1"/>
+          </p:cNvSpPr>
+          <p:nvPr>
+            <p:ph idx="1"/>
+          </p:nvPr>
+        </p:nvSpPr>
+        <p:spPr/>
+        <p:txBody>
+          <a:bodyPr/>
+          <a:lstStyle/>
+          <a:p>
+            <a:r>
+              <a:rPr lang="ru-RU" dirty="0"/>
+              <a:t>Нам необходимо дополнительно поработать над данными, чтобы они были приемлемы для работы регрессии</a:t>
+            </a:r>
+          </a:p>
+        </p:txBody>
+      </p:sp>
+      <p:pic>
+        <p:nvPicPr>
+          <p:cNvPr id="5" name="Рисунок 4">
+            <a:extLst>
+              <a:ext uri="{FF2B5EF4-FFF2-40B4-BE49-F238E27FC236}">
+                <a16:creationId xmlns:a16="http://schemas.microsoft.com/office/drawing/2014/main" id="{DFBA5000-7D36-450B-A381-BA3496AC1066}"/>
+              </a:ext>
+            </a:extLst>
+          </p:cNvPr>
+          <p:cNvPicPr>
+            <a:picLocks noChangeAspect="1"/>
+          </p:cNvPicPr>
+          <p:nvPr/>
+        </p:nvPicPr>
+        <p:blipFill>
+          <a:blip r:embed="rId2">
+            <a:extLst>
+              <a:ext uri="{28A0092B-C50C-407E-A947-70E740481C1C}">
+                <a14:useLocalDpi xmlns:a14="http://schemas.microsoft.com/office/drawing/2010/main" val="0"/>
+              </a:ext>
+            </a:extLst>
+          </a:blip>
+          <a:stretch>
+            <a:fillRect/>
+          </a:stretch>
+        </p:blipFill>
+        <p:spPr>
+          <a:xfrm>
+            <a:off x="838200" y="2826141"/>
+            <a:ext cx="2438740" cy="371527"/>
+          </a:xfrm>
+          <a:prstGeom prst="rect">
+            <a:avLst/>
+          </a:prstGeom>
+        </p:spPr>
+      </p:pic>
+      <p:pic>
+        <p:nvPicPr>
+          <p:cNvPr id="7" name="Рисунок 6">
+            <a:extLst>
+              <a:ext uri="{FF2B5EF4-FFF2-40B4-BE49-F238E27FC236}">
+                <a16:creationId xmlns:a16="http://schemas.microsoft.com/office/drawing/2014/main" id="{8BFEE70F-1360-4834-97EB-83A841A9FAEF}"/>
+              </a:ext>
+            </a:extLst>
+          </p:cNvPr>
+          <p:cNvPicPr>
+            <a:picLocks noChangeAspect="1"/>
+          </p:cNvPicPr>
+          <p:nvPr/>
+        </p:nvPicPr>
+        <p:blipFill>
+          <a:blip r:embed="rId3">
+            <a:extLst>
+              <a:ext uri="{28A0092B-C50C-407E-A947-70E740481C1C}">
+                <a14:useLocalDpi xmlns:a14="http://schemas.microsoft.com/office/drawing/2010/main" val="0"/>
+              </a:ext>
+            </a:extLst>
+          </a:blip>
+          <a:stretch>
+            <a:fillRect/>
+          </a:stretch>
+        </p:blipFill>
+        <p:spPr>
+          <a:xfrm>
+            <a:off x="838200" y="3355490"/>
+            <a:ext cx="3267531" cy="304843"/>
+          </a:xfrm>
+          <a:prstGeom prst="rect">
+            <a:avLst/>
+          </a:prstGeom>
+        </p:spPr>
+      </p:pic>
+      <p:pic>
+        <p:nvPicPr>
+          <p:cNvPr id="9" name="Рисунок 8">
+            <a:extLst>
+              <a:ext uri="{FF2B5EF4-FFF2-40B4-BE49-F238E27FC236}">
+                <a16:creationId xmlns:a16="http://schemas.microsoft.com/office/drawing/2014/main" id="{67A9A64E-4637-45BC-91D4-91F9848BD004}"/>
+              </a:ext>
+            </a:extLst>
+          </p:cNvPr>
+          <p:cNvPicPr>
+            <a:picLocks noChangeAspect="1"/>
+          </p:cNvPicPr>
+          <p:nvPr/>
+        </p:nvPicPr>
+        <p:blipFill>
+          <a:blip r:embed="rId4">
+            <a:extLst>
+              <a:ext uri="{28A0092B-C50C-407E-A947-70E740481C1C}">
+                <a14:useLocalDpi xmlns:a14="http://schemas.microsoft.com/office/drawing/2010/main" val="0"/>
+              </a:ext>
+            </a:extLst>
+          </a:blip>
+          <a:stretch>
+            <a:fillRect/>
+          </a:stretch>
+        </p:blipFill>
+        <p:spPr>
+          <a:xfrm>
+            <a:off x="838200" y="4001294"/>
+            <a:ext cx="5430008" cy="1295581"/>
+          </a:xfrm>
+          <a:prstGeom prst="rect">
+            <a:avLst/>
+          </a:prstGeom>
+        </p:spPr>
+      </p:pic>
+    </p:spTree>
+    <p:extLst>
+      <p:ext uri="{BB962C8B-B14F-4D97-AF65-F5344CB8AC3E}">
+        <p14:creationId xmlns:p14="http://schemas.microsoft.com/office/powerpoint/2010/main" val="882451681"/>
+      </p:ext>
+    </p:extLst>
+  </p:cSld>
+  <p:clrMapOvr>
+    <a:masterClrMapping/>
+  </p:clrMapOvr>
+</p:sld>
+</file>
+
+<file path=ppt/slides/slide13.xml><?xml version="1.0" encoding="utf-8"?>
+<p:sld xmlns:a="http://schemas.openxmlformats.org/drawingml/2006/main" xmlns:r="http://schemas.openxmlformats.org/officeDocument/2006/relationships" xmlns:p="http://schemas.openxmlformats.org/presentationml/2006/main">
+  <p:cSld>
+    <p:spTree>
+      <p:nvGrpSpPr>
+        <p:cNvPr id="1" name=""/>
+        <p:cNvGrpSpPr/>
+        <p:nvPr/>
+      </p:nvGrpSpPr>
+      <p:grpSpPr>
+        <a:xfrm>
+          <a:off x="0" y="0"/>
+          <a:ext cx="0" cy="0"/>
+          <a:chOff x="0" y="0"/>
+          <a:chExt cx="0" cy="0"/>
+        </a:xfrm>
+      </p:grpSpPr>
+      <p:sp>
+        <p:nvSpPr>
+          <p:cNvPr id="2" name="Заголовок 1">
+            <a:extLst>
+              <a:ext uri="{FF2B5EF4-FFF2-40B4-BE49-F238E27FC236}">
+                <a16:creationId xmlns:a16="http://schemas.microsoft.com/office/drawing/2014/main" id="{BBE97844-8C2F-4575-8CB3-CB6E5D31A479}"/>
+              </a:ext>
+            </a:extLst>
+          </p:cNvPr>
+          <p:cNvSpPr>
+            <a:spLocks noGrp="1"/>
+          </p:cNvSpPr>
+          <p:nvPr>
+            <p:ph type="title"/>
+          </p:nvPr>
+        </p:nvSpPr>
+        <p:spPr/>
+        <p:txBody>
+          <a:bodyPr/>
+          <a:lstStyle/>
+          <a:p>
+            <a:r>
+              <a:rPr lang="ru-RU" dirty="0"/>
+              <a:t>Построение моделей</a:t>
+            </a:r>
+          </a:p>
+        </p:txBody>
+      </p:sp>
+      <p:sp>
+        <p:nvSpPr>
+          <p:cNvPr id="3" name="Объект 2">
+            <a:extLst>
+              <a:ext uri="{FF2B5EF4-FFF2-40B4-BE49-F238E27FC236}">
+                <a16:creationId xmlns:a16="http://schemas.microsoft.com/office/drawing/2014/main" id="{2B5225F6-9E6F-4D77-83AB-A6B12B27E269}"/>
+              </a:ext>
+            </a:extLst>
+          </p:cNvPr>
+          <p:cNvSpPr>
+            <a:spLocks noGrp="1"/>
+          </p:cNvSpPr>
+          <p:nvPr>
+            <p:ph idx="1"/>
+          </p:nvPr>
+        </p:nvSpPr>
+        <p:spPr/>
+        <p:txBody>
+          <a:bodyPr/>
+          <a:lstStyle/>
+          <a:p>
+            <a:r>
+              <a:rPr lang="ru-RU" dirty="0"/>
+              <a:t>В нашем случае подходят такие регрессии как линейная, метод случайных деревьев (</a:t>
+            </a:r>
+            <a:r>
+              <a:rPr lang="en-US" dirty="0"/>
+              <a:t>Random Forest) </a:t>
+            </a:r>
+            <a:r>
+              <a:rPr lang="ru-RU" dirty="0"/>
+              <a:t>и </a:t>
+            </a:r>
+            <a:r>
+              <a:rPr lang="en-US" dirty="0" err="1"/>
+              <a:t>xgboost</a:t>
+            </a:r>
+            <a:r>
+              <a:rPr lang="en-US" dirty="0"/>
+              <a:t> (</a:t>
+            </a:r>
+            <a:r>
+              <a:rPr lang="ru-RU" dirty="0"/>
+              <a:t>Градиентный </a:t>
+            </a:r>
+            <a:r>
+              <a:rPr lang="ru-RU" dirty="0" err="1"/>
+              <a:t>бустинг</a:t>
+            </a:r>
+            <a:r>
+              <a:rPr lang="ru-RU" dirty="0"/>
+              <a:t>)</a:t>
+            </a:r>
+          </a:p>
+          <a:p>
+            <a:r>
+              <a:rPr lang="ru-RU" dirty="0"/>
+              <a:t>Различаются они методами, если линейная регрессия рассматривает линейную функцию зависимости по параметрам, то случайные деревья используют большой ансамбль решающих деревьев, а </a:t>
+            </a:r>
+            <a:r>
+              <a:rPr lang="en-US" dirty="0" err="1"/>
+              <a:t>xgboost</a:t>
+            </a:r>
+            <a:r>
+              <a:rPr lang="ru-RU" dirty="0"/>
+              <a:t>, несмотря на использование ансамбля решающих деревьев, использует еще на каждой итерации вычисление отклонения предсказаний уже обученного ансамбля на обучающей выборке</a:t>
+            </a:r>
+          </a:p>
+        </p:txBody>
+      </p:sp>
+    </p:spTree>
+    <p:extLst>
+      <p:ext uri="{BB962C8B-B14F-4D97-AF65-F5344CB8AC3E}">
+        <p14:creationId xmlns:p14="http://schemas.microsoft.com/office/powerpoint/2010/main" val="2991206874"/>
+      </p:ext>
+    </p:extLst>
+  </p:cSld>
+  <p:clrMapOvr>
+    <a:masterClrMapping/>
+  </p:clrMapOvr>
+</p:sld>
+</file>
+
+<file path=ppt/slides/slide14.xml><?xml version="1.0" encoding="utf-8"?>
+<p:sld xmlns:a="http://schemas.openxmlformats.org/drawingml/2006/main" xmlns:r="http://schemas.openxmlformats.org/officeDocument/2006/relationships" xmlns:p="http://schemas.openxmlformats.org/presentationml/2006/main">
+  <p:cSld>
+    <p:spTree>
+      <p:nvGrpSpPr>
+        <p:cNvPr id="1" name=""/>
+        <p:cNvGrpSpPr/>
+        <p:nvPr/>
+      </p:nvGrpSpPr>
+      <p:grpSpPr>
+        <a:xfrm>
+          <a:off x="0" y="0"/>
+          <a:ext cx="0" cy="0"/>
+          <a:chOff x="0" y="0"/>
+          <a:chExt cx="0" cy="0"/>
+        </a:xfrm>
+      </p:grpSpPr>
+      <p:sp>
+        <p:nvSpPr>
+          <p:cNvPr id="2" name="Заголовок 1">
+            <a:extLst>
+              <a:ext uri="{FF2B5EF4-FFF2-40B4-BE49-F238E27FC236}">
+                <a16:creationId xmlns:a16="http://schemas.microsoft.com/office/drawing/2014/main" id="{FCB591B7-1DE2-4BB3-9AAB-85E6CF8FE670}"/>
+              </a:ext>
+            </a:extLst>
+          </p:cNvPr>
+          <p:cNvSpPr>
+            <a:spLocks noGrp="1"/>
+          </p:cNvSpPr>
+          <p:nvPr>
+            <p:ph type="title"/>
+          </p:nvPr>
+        </p:nvSpPr>
+        <p:spPr/>
+        <p:txBody>
+          <a:bodyPr/>
+          <a:lstStyle/>
+          <a:p>
+            <a:r>
+              <a:rPr lang="ru-RU" dirty="0"/>
+              <a:t>Линейная регрессия и случайные деревья</a:t>
+            </a:r>
+          </a:p>
+        </p:txBody>
+      </p:sp>
+      <p:pic>
+        <p:nvPicPr>
+          <p:cNvPr id="5" name="Объект 4">
+            <a:extLst>
+              <a:ext uri="{FF2B5EF4-FFF2-40B4-BE49-F238E27FC236}">
+                <a16:creationId xmlns:a16="http://schemas.microsoft.com/office/drawing/2014/main" id="{7F54CF99-BB9E-45CD-85C5-B29C5736D8BB}"/>
+              </a:ext>
+            </a:extLst>
+          </p:cNvPr>
+          <p:cNvPicPr>
+            <a:picLocks noGrp="1" noChangeAspect="1"/>
+          </p:cNvPicPr>
+          <p:nvPr>
+            <p:ph idx="1"/>
+          </p:nvPr>
+        </p:nvPicPr>
+        <p:blipFill>
+          <a:blip r:embed="rId2">
+            <a:extLst>
+              <a:ext uri="{28A0092B-C50C-407E-A947-70E740481C1C}">
+                <a14:useLocalDpi xmlns:a14="http://schemas.microsoft.com/office/drawing/2010/main" val="0"/>
+              </a:ext>
+            </a:extLst>
+          </a:blip>
+          <a:stretch>
+            <a:fillRect/>
+          </a:stretch>
+        </p:blipFill>
+        <p:spPr>
+          <a:xfrm>
+            <a:off x="389021" y="1690688"/>
+            <a:ext cx="8601064" cy="4588802"/>
+          </a:xfrm>
+        </p:spPr>
+      </p:pic>
+      <p:pic>
+        <p:nvPicPr>
+          <p:cNvPr id="7" name="Рисунок 6">
+            <a:extLst>
+              <a:ext uri="{FF2B5EF4-FFF2-40B4-BE49-F238E27FC236}">
+                <a16:creationId xmlns:a16="http://schemas.microsoft.com/office/drawing/2014/main" id="{6DF4E121-EF3D-4626-9FB8-921B05BA8F08}"/>
+              </a:ext>
+            </a:extLst>
+          </p:cNvPr>
+          <p:cNvPicPr>
+            <a:picLocks noChangeAspect="1"/>
+          </p:cNvPicPr>
+          <p:nvPr/>
+        </p:nvPicPr>
+        <p:blipFill>
+          <a:blip r:embed="rId3">
+            <a:extLst>
+              <a:ext uri="{28A0092B-C50C-407E-A947-70E740481C1C}">
+                <a14:useLocalDpi xmlns:a14="http://schemas.microsoft.com/office/drawing/2010/main" val="0"/>
+              </a:ext>
+            </a:extLst>
+          </a:blip>
+          <a:stretch>
+            <a:fillRect/>
+          </a:stretch>
+        </p:blipFill>
+        <p:spPr>
+          <a:xfrm>
+            <a:off x="9135604" y="1690688"/>
+            <a:ext cx="2671484" cy="2400049"/>
+          </a:xfrm>
+          <a:prstGeom prst="rect">
+            <a:avLst/>
+          </a:prstGeom>
+        </p:spPr>
+      </p:pic>
+    </p:spTree>
+    <p:extLst>
+      <p:ext uri="{BB962C8B-B14F-4D97-AF65-F5344CB8AC3E}">
+        <p14:creationId xmlns:p14="http://schemas.microsoft.com/office/powerpoint/2010/main" val="1146160579"/>
+      </p:ext>
+    </p:extLst>
+  </p:cSld>
+  <p:clrMapOvr>
+    <a:masterClrMapping/>
+  </p:clrMapOvr>
+</p:sld>
+</file>
+
+<file path=ppt/slides/slide15.xml><?xml version="1.0" encoding="utf-8"?>
+<p:sld xmlns:a="http://schemas.openxmlformats.org/drawingml/2006/main" xmlns:r="http://schemas.openxmlformats.org/officeDocument/2006/relationships" xmlns:p="http://schemas.openxmlformats.org/presentationml/2006/main">
+  <p:cSld>
+    <p:spTree>
+      <p:nvGrpSpPr>
+        <p:cNvPr id="1" name=""/>
+        <p:cNvGrpSpPr/>
+        <p:nvPr/>
+      </p:nvGrpSpPr>
+      <p:grpSpPr>
+        <a:xfrm>
+          <a:off x="0" y="0"/>
+          <a:ext cx="0" cy="0"/>
+          <a:chOff x="0" y="0"/>
+          <a:chExt cx="0" cy="0"/>
+        </a:xfrm>
+      </p:grpSpPr>
+      <p:sp>
+        <p:nvSpPr>
+          <p:cNvPr id="2" name="Заголовок 1">
+            <a:extLst>
+              <a:ext uri="{FF2B5EF4-FFF2-40B4-BE49-F238E27FC236}">
+                <a16:creationId xmlns:a16="http://schemas.microsoft.com/office/drawing/2014/main" id="{3EB4702C-D6DA-486C-ACB9-B4F073D1CC67}"/>
+              </a:ext>
+            </a:extLst>
+          </p:cNvPr>
+          <p:cNvSpPr>
+            <a:spLocks noGrp="1"/>
+          </p:cNvSpPr>
+          <p:nvPr>
+            <p:ph type="title"/>
+          </p:nvPr>
+        </p:nvSpPr>
+        <p:spPr/>
+        <p:txBody>
+          <a:bodyPr/>
+          <a:lstStyle/>
+          <a:p>
+            <a:r>
+              <a:rPr lang="en-US" dirty="0" err="1"/>
+              <a:t>XGBoost</a:t>
+            </a:r>
+            <a:endParaRPr lang="ru-RU" dirty="0"/>
+          </a:p>
+        </p:txBody>
+      </p:sp>
+      <p:pic>
+        <p:nvPicPr>
+          <p:cNvPr id="5" name="Объект 4">
+            <a:extLst>
+              <a:ext uri="{FF2B5EF4-FFF2-40B4-BE49-F238E27FC236}">
+                <a16:creationId xmlns:a16="http://schemas.microsoft.com/office/drawing/2014/main" id="{CBBBB06F-CE50-4978-994A-F22D0F7D338E}"/>
+              </a:ext>
+            </a:extLst>
+          </p:cNvPr>
+          <p:cNvPicPr>
+            <a:picLocks noGrp="1" noChangeAspect="1"/>
+          </p:cNvPicPr>
+          <p:nvPr>
+            <p:ph idx="1"/>
+          </p:nvPr>
+        </p:nvPicPr>
+        <p:blipFill>
+          <a:blip r:embed="rId2">
+            <a:extLst>
+              <a:ext uri="{28A0092B-C50C-407E-A947-70E740481C1C}">
+                <a14:useLocalDpi xmlns:a14="http://schemas.microsoft.com/office/drawing/2010/main" val="0"/>
+              </a:ext>
+            </a:extLst>
+          </a:blip>
+          <a:stretch>
+            <a:fillRect/>
+          </a:stretch>
+        </p:blipFill>
+        <p:spPr>
+          <a:xfrm>
+            <a:off x="504045" y="1690687"/>
+            <a:ext cx="6632667" cy="4802187"/>
+          </a:xfrm>
+        </p:spPr>
+      </p:pic>
+      <p:pic>
+        <p:nvPicPr>
+          <p:cNvPr id="7" name="Рисунок 6">
+            <a:extLst>
+              <a:ext uri="{FF2B5EF4-FFF2-40B4-BE49-F238E27FC236}">
+                <a16:creationId xmlns:a16="http://schemas.microsoft.com/office/drawing/2014/main" id="{C6185007-AE0A-451D-A32B-5E4FE89C99B5}"/>
+              </a:ext>
+            </a:extLst>
+          </p:cNvPr>
+          <p:cNvPicPr>
+            <a:picLocks noChangeAspect="1"/>
+          </p:cNvPicPr>
+          <p:nvPr/>
+        </p:nvPicPr>
+        <p:blipFill>
+          <a:blip r:embed="rId3">
+            <a:extLst>
+              <a:ext uri="{28A0092B-C50C-407E-A947-70E740481C1C}">
+                <a14:useLocalDpi xmlns:a14="http://schemas.microsoft.com/office/drawing/2010/main" val="0"/>
+              </a:ext>
+            </a:extLst>
+          </a:blip>
+          <a:stretch>
+            <a:fillRect/>
+          </a:stretch>
+        </p:blipFill>
+        <p:spPr>
+          <a:xfrm>
+            <a:off x="7426985" y="1690686"/>
+            <a:ext cx="2750495" cy="1738313"/>
+          </a:xfrm>
+          <a:prstGeom prst="rect">
+            <a:avLst/>
+          </a:prstGeom>
+        </p:spPr>
+      </p:pic>
+    </p:spTree>
+    <p:extLst>
+      <p:ext uri="{BB962C8B-B14F-4D97-AF65-F5344CB8AC3E}">
+        <p14:creationId xmlns:p14="http://schemas.microsoft.com/office/powerpoint/2010/main" val="92178696"/>
+      </p:ext>
+    </p:extLst>
+  </p:cSld>
+  <p:clrMapOvr>
+    <a:masterClrMapping/>
+  </p:clrMapOvr>
+</p:sld>
+</file>
+
+<file path=ppt/slides/slide16.xml><?xml version="1.0" encoding="utf-8"?>
+<p:sld xmlns:a="http://schemas.openxmlformats.org/drawingml/2006/main" xmlns:r="http://schemas.openxmlformats.org/officeDocument/2006/relationships" xmlns:p="http://schemas.openxmlformats.org/presentationml/2006/main">
+  <p:cSld>
+    <p:spTree>
+      <p:nvGrpSpPr>
+        <p:cNvPr id="1" name=""/>
+        <p:cNvGrpSpPr/>
+        <p:nvPr/>
+      </p:nvGrpSpPr>
+      <p:grpSpPr>
+        <a:xfrm>
+          <a:off x="0" y="0"/>
+          <a:ext cx="0" cy="0"/>
+          <a:chOff x="0" y="0"/>
+          <a:chExt cx="0" cy="0"/>
+        </a:xfrm>
+      </p:grpSpPr>
+      <p:sp>
+        <p:nvSpPr>
+          <p:cNvPr id="2" name="Заголовок 1">
+            <a:extLst>
+              <a:ext uri="{FF2B5EF4-FFF2-40B4-BE49-F238E27FC236}">
+                <a16:creationId xmlns:a16="http://schemas.microsoft.com/office/drawing/2014/main" id="{537B04C4-AB99-4D21-9161-F9E2F8313CDA}"/>
+              </a:ext>
+            </a:extLst>
+          </p:cNvPr>
+          <p:cNvSpPr>
+            <a:spLocks noGrp="1"/>
+          </p:cNvSpPr>
+          <p:nvPr>
+            <p:ph type="title"/>
+          </p:nvPr>
+        </p:nvSpPr>
+        <p:spPr/>
+        <p:txBody>
+          <a:bodyPr/>
+          <a:lstStyle/>
+          <a:p>
+            <a:r>
+              <a:rPr lang="ru-RU" dirty="0"/>
+              <a:t>Сравнение метрик ошибок</a:t>
+            </a:r>
+          </a:p>
+        </p:txBody>
+      </p:sp>
+      <p:pic>
+        <p:nvPicPr>
+          <p:cNvPr id="5" name="Объект 4">
+            <a:extLst>
+              <a:ext uri="{FF2B5EF4-FFF2-40B4-BE49-F238E27FC236}">
+                <a16:creationId xmlns:a16="http://schemas.microsoft.com/office/drawing/2014/main" id="{E7392A1D-2C50-4AEE-8629-4172683DD45D}"/>
+              </a:ext>
+            </a:extLst>
+          </p:cNvPr>
+          <p:cNvPicPr>
+            <a:picLocks noGrp="1" noChangeAspect="1"/>
+          </p:cNvPicPr>
+          <p:nvPr>
+            <p:ph idx="1"/>
+          </p:nvPr>
+        </p:nvPicPr>
+        <p:blipFill>
+          <a:blip r:embed="rId2">
+            <a:extLst>
+              <a:ext uri="{28A0092B-C50C-407E-A947-70E740481C1C}">
+                <a14:useLocalDpi xmlns:a14="http://schemas.microsoft.com/office/drawing/2010/main" val="0"/>
+              </a:ext>
+            </a:extLst>
+          </a:blip>
+          <a:stretch>
+            <a:fillRect/>
+          </a:stretch>
+        </p:blipFill>
+        <p:spPr>
+          <a:xfrm>
+            <a:off x="838200" y="1400420"/>
+            <a:ext cx="8851232" cy="5169027"/>
+          </a:xfrm>
+        </p:spPr>
+      </p:pic>
+    </p:spTree>
+    <p:extLst>
+      <p:ext uri="{BB962C8B-B14F-4D97-AF65-F5344CB8AC3E}">
+        <p14:creationId xmlns:p14="http://schemas.microsoft.com/office/powerpoint/2010/main" val="268568622"/>
+      </p:ext>
+    </p:extLst>
+  </p:cSld>
+  <p:clrMapOvr>
+    <a:masterClrMapping/>
+  </p:clrMapOvr>
+</p:sld>
+</file>
+
+<file path=ppt/slides/slide17.xml><?xml version="1.0" encoding="utf-8"?>
+<p:sld xmlns:a="http://schemas.openxmlformats.org/drawingml/2006/main" xmlns:r="http://schemas.openxmlformats.org/officeDocument/2006/relationships" xmlns:p="http://schemas.openxmlformats.org/presentationml/2006/main">
+  <p:cSld>
+    <p:spTree>
+      <p:nvGrpSpPr>
+        <p:cNvPr id="1" name=""/>
+        <p:cNvGrpSpPr/>
+        <p:nvPr/>
+      </p:nvGrpSpPr>
+      <p:grpSpPr>
+        <a:xfrm>
+          <a:off x="0" y="0"/>
+          <a:ext cx="0" cy="0"/>
+          <a:chOff x="0" y="0"/>
+          <a:chExt cx="0" cy="0"/>
+        </a:xfrm>
+      </p:grpSpPr>
+      <p:sp>
+        <p:nvSpPr>
+          <p:cNvPr id="2" name="Заголовок 1">
+            <a:extLst>
+              <a:ext uri="{FF2B5EF4-FFF2-40B4-BE49-F238E27FC236}">
+                <a16:creationId xmlns:a16="http://schemas.microsoft.com/office/drawing/2014/main" id="{ED0E085C-DFE3-4101-97AD-B1B6022C39B3}"/>
+              </a:ext>
+            </a:extLst>
+          </p:cNvPr>
+          <p:cNvSpPr>
+            <a:spLocks noGrp="1"/>
+          </p:cNvSpPr>
+          <p:nvPr>
+            <p:ph type="title"/>
+          </p:nvPr>
+        </p:nvSpPr>
+        <p:spPr/>
+        <p:txBody>
+          <a:bodyPr/>
+          <a:lstStyle/>
+          <a:p>
+            <a:r>
+              <a:rPr lang="ru-RU" dirty="0"/>
+              <a:t>Предсказание курса </a:t>
+            </a:r>
+            <a:r>
+              <a:rPr lang="en-US" dirty="0"/>
+              <a:t>BTC</a:t>
+            </a:r>
+            <a:endParaRPr lang="ru-RU" dirty="0"/>
+          </a:p>
+        </p:txBody>
+      </p:sp>
+      <p:sp>
+        <p:nvSpPr>
+          <p:cNvPr id="3" name="Объект 2">
+            <a:extLst>
+              <a:ext uri="{FF2B5EF4-FFF2-40B4-BE49-F238E27FC236}">
+                <a16:creationId xmlns:a16="http://schemas.microsoft.com/office/drawing/2014/main" id="{F0461913-3083-4118-B884-863149B7AA89}"/>
+              </a:ext>
+            </a:extLst>
+          </p:cNvPr>
+          <p:cNvSpPr>
+            <a:spLocks noGrp="1"/>
+          </p:cNvSpPr>
+          <p:nvPr>
+            <p:ph idx="1"/>
+          </p:nvPr>
+        </p:nvSpPr>
+        <p:spPr/>
+        <p:txBody>
+          <a:bodyPr/>
+          <a:lstStyle/>
+          <a:p>
+            <a:r>
+              <a:rPr lang="ru-RU" dirty="0"/>
+              <a:t>Давайте попробуем применить все три метода, вычислив стоимость </a:t>
+            </a:r>
+            <a:r>
+              <a:rPr lang="en-US" dirty="0"/>
+              <a:t>Bitcoin</a:t>
+            </a:r>
+            <a:r>
+              <a:rPr lang="ru-RU" dirty="0"/>
+              <a:t> на ближайшие 30 дней </a:t>
+            </a:r>
+            <a:endParaRPr lang="en-US" dirty="0"/>
+          </a:p>
+          <a:p>
+            <a:r>
+              <a:rPr lang="ru-RU" dirty="0"/>
+              <a:t>Для этого подготовили данные данные</a:t>
+            </a:r>
+          </a:p>
+        </p:txBody>
+      </p:sp>
+      <p:pic>
+        <p:nvPicPr>
+          <p:cNvPr id="5" name="Рисунок 4">
+            <a:extLst>
+              <a:ext uri="{FF2B5EF4-FFF2-40B4-BE49-F238E27FC236}">
+                <a16:creationId xmlns:a16="http://schemas.microsoft.com/office/drawing/2014/main" id="{6FB3C15C-101F-41AB-883B-757241B7A82C}"/>
+              </a:ext>
+            </a:extLst>
+          </p:cNvPr>
+          <p:cNvPicPr>
+            <a:picLocks noChangeAspect="1"/>
+          </p:cNvPicPr>
+          <p:nvPr/>
+        </p:nvPicPr>
+        <p:blipFill>
+          <a:blip r:embed="rId2">
+            <a:extLst>
+              <a:ext uri="{28A0092B-C50C-407E-A947-70E740481C1C}">
+                <a14:useLocalDpi xmlns:a14="http://schemas.microsoft.com/office/drawing/2010/main" val="0"/>
+              </a:ext>
+            </a:extLst>
+          </a:blip>
+          <a:stretch>
+            <a:fillRect/>
+          </a:stretch>
+        </p:blipFill>
+        <p:spPr>
+          <a:xfrm>
+            <a:off x="838200" y="3429000"/>
+            <a:ext cx="8643924" cy="2009274"/>
+          </a:xfrm>
+          <a:prstGeom prst="rect">
+            <a:avLst/>
+          </a:prstGeom>
+        </p:spPr>
+      </p:pic>
+    </p:spTree>
+    <p:extLst>
+      <p:ext uri="{BB962C8B-B14F-4D97-AF65-F5344CB8AC3E}">
+        <p14:creationId xmlns:p14="http://schemas.microsoft.com/office/powerpoint/2010/main" val="3170600569"/>
+      </p:ext>
+    </p:extLst>
+  </p:cSld>
+  <p:clrMapOvr>
+    <a:masterClrMapping/>
+  </p:clrMapOvr>
+</p:sld>
+</file>
+
+<file path=ppt/slides/slide18.xml><?xml version="1.0" encoding="utf-8"?>
+<p:sld xmlns:a="http://schemas.openxmlformats.org/drawingml/2006/main" xmlns:r="http://schemas.openxmlformats.org/officeDocument/2006/relationships" xmlns:p="http://schemas.openxmlformats.org/presentationml/2006/main">
+  <p:cSld>
+    <p:spTree>
+      <p:nvGrpSpPr>
+        <p:cNvPr id="1" name=""/>
+        <p:cNvGrpSpPr/>
+        <p:nvPr/>
+      </p:nvGrpSpPr>
+      <p:grpSpPr>
+        <a:xfrm>
+          <a:off x="0" y="0"/>
+          <a:ext cx="0" cy="0"/>
+          <a:chOff x="0" y="0"/>
+          <a:chExt cx="0" cy="0"/>
+        </a:xfrm>
+      </p:grpSpPr>
+      <p:sp>
+        <p:nvSpPr>
+          <p:cNvPr id="2" name="Заголовок 1">
+            <a:extLst>
+              <a:ext uri="{FF2B5EF4-FFF2-40B4-BE49-F238E27FC236}">
+                <a16:creationId xmlns:a16="http://schemas.microsoft.com/office/drawing/2014/main" id="{A847F3EA-B931-4D24-87BF-371573FF8D9B}"/>
+              </a:ext>
+            </a:extLst>
+          </p:cNvPr>
+          <p:cNvSpPr>
+            <a:spLocks noGrp="1"/>
+          </p:cNvSpPr>
+          <p:nvPr>
+            <p:ph type="title"/>
+          </p:nvPr>
+        </p:nvSpPr>
+        <p:spPr/>
+        <p:txBody>
+          <a:bodyPr/>
+          <a:lstStyle/>
+          <a:p>
+            <a:r>
+              <a:rPr lang="ru-RU" dirty="0"/>
+              <a:t>Применение линейной регрессии</a:t>
+            </a:r>
+          </a:p>
+        </p:txBody>
+      </p:sp>
+      <p:pic>
+        <p:nvPicPr>
+          <p:cNvPr id="5" name="Объект 4">
+            <a:extLst>
+              <a:ext uri="{FF2B5EF4-FFF2-40B4-BE49-F238E27FC236}">
+                <a16:creationId xmlns:a16="http://schemas.microsoft.com/office/drawing/2014/main" id="{2CAB844A-4D0A-4E16-B929-C332B8D956CF}"/>
+              </a:ext>
+            </a:extLst>
+          </p:cNvPr>
+          <p:cNvPicPr>
+            <a:picLocks noGrp="1" noChangeAspect="1"/>
+          </p:cNvPicPr>
+          <p:nvPr>
+            <p:ph idx="1"/>
+          </p:nvPr>
+        </p:nvPicPr>
+        <p:blipFill>
+          <a:blip r:embed="rId2">
+            <a:extLst>
+              <a:ext uri="{28A0092B-C50C-407E-A947-70E740481C1C}">
+                <a14:useLocalDpi xmlns:a14="http://schemas.microsoft.com/office/drawing/2010/main" val="0"/>
+              </a:ext>
+            </a:extLst>
+          </a:blip>
+          <a:stretch>
+            <a:fillRect/>
+          </a:stretch>
+        </p:blipFill>
+        <p:spPr>
+          <a:xfrm>
+            <a:off x="838200" y="1735965"/>
+            <a:ext cx="7944225" cy="3422778"/>
+          </a:xfrm>
+        </p:spPr>
+      </p:pic>
+    </p:spTree>
+    <p:extLst>
+      <p:ext uri="{BB962C8B-B14F-4D97-AF65-F5344CB8AC3E}">
+        <p14:creationId xmlns:p14="http://schemas.microsoft.com/office/powerpoint/2010/main" val="2724785398"/>
+      </p:ext>
+    </p:extLst>
+  </p:cSld>
+  <p:clrMapOvr>
+    <a:masterClrMapping/>
+  </p:clrMapOvr>
+</p:sld>
+</file>
+
+<file path=ppt/slides/slide19.xml><?xml version="1.0" encoding="utf-8"?>
+<p:sld xmlns:a="http://schemas.openxmlformats.org/drawingml/2006/main" xmlns:r="http://schemas.openxmlformats.org/officeDocument/2006/relationships" xmlns:p="http://schemas.openxmlformats.org/presentationml/2006/main">
+  <p:cSld>
+    <p:spTree>
+      <p:nvGrpSpPr>
+        <p:cNvPr id="1" name=""/>
+        <p:cNvGrpSpPr/>
+        <p:nvPr/>
+      </p:nvGrpSpPr>
+      <p:grpSpPr>
+        <a:xfrm>
+          <a:off x="0" y="0"/>
+          <a:ext cx="0" cy="0"/>
+          <a:chOff x="0" y="0"/>
+          <a:chExt cx="0" cy="0"/>
+        </a:xfrm>
+      </p:grpSpPr>
+      <p:sp>
+        <p:nvSpPr>
+          <p:cNvPr id="2" name="Заголовок 1">
+            <a:extLst>
+              <a:ext uri="{FF2B5EF4-FFF2-40B4-BE49-F238E27FC236}">
+                <a16:creationId xmlns:a16="http://schemas.microsoft.com/office/drawing/2014/main" id="{A847F3EA-B931-4D24-87BF-371573FF8D9B}"/>
+              </a:ext>
+            </a:extLst>
+          </p:cNvPr>
+          <p:cNvSpPr>
+            <a:spLocks noGrp="1"/>
+          </p:cNvSpPr>
+          <p:nvPr>
+            <p:ph type="title"/>
+          </p:nvPr>
+        </p:nvSpPr>
+        <p:spPr/>
+        <p:txBody>
+          <a:bodyPr/>
+          <a:lstStyle/>
+          <a:p>
+            <a:r>
+              <a:rPr lang="ru-RU" dirty="0"/>
+              <a:t>Применение случайных деревьев</a:t>
+            </a:r>
+          </a:p>
+        </p:txBody>
+      </p:sp>
+      <p:pic>
+        <p:nvPicPr>
+          <p:cNvPr id="5" name="Объект 4">
+            <a:extLst>
+              <a:ext uri="{FF2B5EF4-FFF2-40B4-BE49-F238E27FC236}">
+                <a16:creationId xmlns:a16="http://schemas.microsoft.com/office/drawing/2014/main" id="{0F530BDD-E7EB-4C0D-A53E-E4C0390CBFA3}"/>
+              </a:ext>
+            </a:extLst>
+          </p:cNvPr>
+          <p:cNvPicPr>
+            <a:picLocks noGrp="1" noChangeAspect="1"/>
+          </p:cNvPicPr>
+          <p:nvPr>
+            <p:ph idx="1"/>
+          </p:nvPr>
+        </p:nvPicPr>
+        <p:blipFill>
+          <a:blip r:embed="rId2">
+            <a:extLst>
+              <a:ext uri="{28A0092B-C50C-407E-A947-70E740481C1C}">
+                <a14:useLocalDpi xmlns:a14="http://schemas.microsoft.com/office/drawing/2010/main" val="0"/>
+              </a:ext>
+            </a:extLst>
+          </a:blip>
+          <a:stretch>
+            <a:fillRect/>
+          </a:stretch>
+        </p:blipFill>
+        <p:spPr>
+          <a:xfrm>
+            <a:off x="838201" y="1755970"/>
+            <a:ext cx="7934698" cy="3388483"/>
+          </a:xfrm>
+        </p:spPr>
+      </p:pic>
+    </p:spTree>
+    <p:extLst>
+      <p:ext uri="{BB962C8B-B14F-4D97-AF65-F5344CB8AC3E}">
+        <p14:creationId xmlns:p14="http://schemas.microsoft.com/office/powerpoint/2010/main" val="1743621693"/>
       </p:ext>
     </p:extLst>
   </p:cSld>
@@ -3625,6 +4823,557 @@
 </p:sld>
 </file>
 
+<file path=ppt/slides/slide20.xml><?xml version="1.0" encoding="utf-8"?>
+<p:sld xmlns:a="http://schemas.openxmlformats.org/drawingml/2006/main" xmlns:r="http://schemas.openxmlformats.org/officeDocument/2006/relationships" xmlns:p="http://schemas.openxmlformats.org/presentationml/2006/main">
+  <p:cSld>
+    <p:spTree>
+      <p:nvGrpSpPr>
+        <p:cNvPr id="1" name=""/>
+        <p:cNvGrpSpPr/>
+        <p:nvPr/>
+      </p:nvGrpSpPr>
+      <p:grpSpPr>
+        <a:xfrm>
+          <a:off x="0" y="0"/>
+          <a:ext cx="0" cy="0"/>
+          <a:chOff x="0" y="0"/>
+          <a:chExt cx="0" cy="0"/>
+        </a:xfrm>
+      </p:grpSpPr>
+      <p:sp>
+        <p:nvSpPr>
+          <p:cNvPr id="2" name="Заголовок 1">
+            <a:extLst>
+              <a:ext uri="{FF2B5EF4-FFF2-40B4-BE49-F238E27FC236}">
+                <a16:creationId xmlns:a16="http://schemas.microsoft.com/office/drawing/2014/main" id="{A847F3EA-B931-4D24-87BF-371573FF8D9B}"/>
+              </a:ext>
+            </a:extLst>
+          </p:cNvPr>
+          <p:cNvSpPr>
+            <a:spLocks noGrp="1"/>
+          </p:cNvSpPr>
+          <p:nvPr>
+            <p:ph type="title"/>
+          </p:nvPr>
+        </p:nvSpPr>
+        <p:spPr/>
+        <p:txBody>
+          <a:bodyPr/>
+          <a:lstStyle/>
+          <a:p>
+            <a:r>
+              <a:rPr lang="ru-RU" dirty="0"/>
+              <a:t>Применение </a:t>
+            </a:r>
+            <a:r>
+              <a:rPr lang="en-US" dirty="0" err="1"/>
+              <a:t>xgboost</a:t>
+            </a:r>
+            <a:endParaRPr lang="ru-RU" dirty="0"/>
+          </a:p>
+        </p:txBody>
+      </p:sp>
+      <p:pic>
+        <p:nvPicPr>
+          <p:cNvPr id="5" name="Объект 4">
+            <a:extLst>
+              <a:ext uri="{FF2B5EF4-FFF2-40B4-BE49-F238E27FC236}">
+                <a16:creationId xmlns:a16="http://schemas.microsoft.com/office/drawing/2014/main" id="{0B8934C0-C9BA-4800-A218-3A8402276113}"/>
+              </a:ext>
+            </a:extLst>
+          </p:cNvPr>
+          <p:cNvPicPr>
+            <a:picLocks noGrp="1" noChangeAspect="1"/>
+          </p:cNvPicPr>
+          <p:nvPr>
+            <p:ph idx="1"/>
+          </p:nvPr>
+        </p:nvPicPr>
+        <p:blipFill>
+          <a:blip r:embed="rId2">
+            <a:extLst>
+              <a:ext uri="{28A0092B-C50C-407E-A947-70E740481C1C}">
+                <a14:useLocalDpi xmlns:a14="http://schemas.microsoft.com/office/drawing/2010/main" val="0"/>
+              </a:ext>
+            </a:extLst>
+          </a:blip>
+          <a:stretch>
+            <a:fillRect/>
+          </a:stretch>
+        </p:blipFill>
+        <p:spPr>
+          <a:xfrm>
+            <a:off x="838200" y="1447357"/>
+            <a:ext cx="6415966" cy="4532897"/>
+          </a:xfrm>
+        </p:spPr>
+      </p:pic>
+    </p:spTree>
+    <p:extLst>
+      <p:ext uri="{BB962C8B-B14F-4D97-AF65-F5344CB8AC3E}">
+        <p14:creationId xmlns:p14="http://schemas.microsoft.com/office/powerpoint/2010/main" val="326106853"/>
+      </p:ext>
+    </p:extLst>
+  </p:cSld>
+  <p:clrMapOvr>
+    <a:masterClrMapping/>
+  </p:clrMapOvr>
+</p:sld>
+</file>
+
+<file path=ppt/slides/slide21.xml><?xml version="1.0" encoding="utf-8"?>
+<p:sld xmlns:a="http://schemas.openxmlformats.org/drawingml/2006/main" xmlns:r="http://schemas.openxmlformats.org/officeDocument/2006/relationships" xmlns:p="http://schemas.openxmlformats.org/presentationml/2006/main">
+  <p:cSld>
+    <p:spTree>
+      <p:nvGrpSpPr>
+        <p:cNvPr id="1" name=""/>
+        <p:cNvGrpSpPr/>
+        <p:nvPr/>
+      </p:nvGrpSpPr>
+      <p:grpSpPr>
+        <a:xfrm>
+          <a:off x="0" y="0"/>
+          <a:ext cx="0" cy="0"/>
+          <a:chOff x="0" y="0"/>
+          <a:chExt cx="0" cy="0"/>
+        </a:xfrm>
+      </p:grpSpPr>
+      <p:sp>
+        <p:nvSpPr>
+          <p:cNvPr id="2" name="Заголовок 1">
+            <a:extLst>
+              <a:ext uri="{FF2B5EF4-FFF2-40B4-BE49-F238E27FC236}">
+                <a16:creationId xmlns:a16="http://schemas.microsoft.com/office/drawing/2014/main" id="{409750A0-7DCF-4353-A2A8-D38A7A6E34A9}"/>
+              </a:ext>
+            </a:extLst>
+          </p:cNvPr>
+          <p:cNvSpPr>
+            <a:spLocks noGrp="1"/>
+          </p:cNvSpPr>
+          <p:nvPr>
+            <p:ph type="title"/>
+          </p:nvPr>
+        </p:nvSpPr>
+        <p:spPr/>
+        <p:txBody>
+          <a:bodyPr/>
+          <a:lstStyle/>
+          <a:p>
+            <a:r>
+              <a:rPr lang="ru-RU" dirty="0"/>
+              <a:t>Результаты вычислений</a:t>
+            </a:r>
+          </a:p>
+        </p:txBody>
+      </p:sp>
+      <p:pic>
+        <p:nvPicPr>
+          <p:cNvPr id="5" name="Объект 4">
+            <a:extLst>
+              <a:ext uri="{FF2B5EF4-FFF2-40B4-BE49-F238E27FC236}">
+                <a16:creationId xmlns:a16="http://schemas.microsoft.com/office/drawing/2014/main" id="{1237B29B-5493-4F41-B256-5B6EFAD068A0}"/>
+              </a:ext>
+            </a:extLst>
+          </p:cNvPr>
+          <p:cNvPicPr>
+            <a:picLocks noGrp="1" noChangeAspect="1"/>
+          </p:cNvPicPr>
+          <p:nvPr>
+            <p:ph idx="1"/>
+          </p:nvPr>
+        </p:nvPicPr>
+        <p:blipFill>
+          <a:blip r:embed="rId2">
+            <a:extLst>
+              <a:ext uri="{28A0092B-C50C-407E-A947-70E740481C1C}">
+                <a14:useLocalDpi xmlns:a14="http://schemas.microsoft.com/office/drawing/2010/main" val="0"/>
+              </a:ext>
+            </a:extLst>
+          </a:blip>
+          <a:stretch>
+            <a:fillRect/>
+          </a:stretch>
+        </p:blipFill>
+        <p:spPr>
+          <a:xfrm>
+            <a:off x="-1" y="1464096"/>
+            <a:ext cx="6326689" cy="3323804"/>
+          </a:xfrm>
+        </p:spPr>
+      </p:pic>
+      <p:pic>
+        <p:nvPicPr>
+          <p:cNvPr id="7" name="Рисунок 6">
+            <a:extLst>
+              <a:ext uri="{FF2B5EF4-FFF2-40B4-BE49-F238E27FC236}">
+                <a16:creationId xmlns:a16="http://schemas.microsoft.com/office/drawing/2014/main" id="{2FD96695-DBE2-449E-8C17-2E7347B93BFC}"/>
+              </a:ext>
+            </a:extLst>
+          </p:cNvPr>
+          <p:cNvPicPr>
+            <a:picLocks noChangeAspect="1"/>
+          </p:cNvPicPr>
+          <p:nvPr/>
+        </p:nvPicPr>
+        <p:blipFill>
+          <a:blip r:embed="rId3">
+            <a:extLst>
+              <a:ext uri="{28A0092B-C50C-407E-A947-70E740481C1C}">
+                <a14:useLocalDpi xmlns:a14="http://schemas.microsoft.com/office/drawing/2010/main" val="0"/>
+              </a:ext>
+            </a:extLst>
+          </a:blip>
+          <a:stretch>
+            <a:fillRect/>
+          </a:stretch>
+        </p:blipFill>
+        <p:spPr>
+          <a:xfrm>
+            <a:off x="6324602" y="1464096"/>
+            <a:ext cx="4819700" cy="2584056"/>
+          </a:xfrm>
+          <a:prstGeom prst="rect">
+            <a:avLst/>
+          </a:prstGeom>
+        </p:spPr>
+      </p:pic>
+      <p:pic>
+        <p:nvPicPr>
+          <p:cNvPr id="9" name="Рисунок 8">
+            <a:extLst>
+              <a:ext uri="{FF2B5EF4-FFF2-40B4-BE49-F238E27FC236}">
+                <a16:creationId xmlns:a16="http://schemas.microsoft.com/office/drawing/2014/main" id="{CECD2545-296B-42D5-B1AC-5FC5E5EFE961}"/>
+              </a:ext>
+            </a:extLst>
+          </p:cNvPr>
+          <p:cNvPicPr>
+            <a:picLocks noChangeAspect="1"/>
+          </p:cNvPicPr>
+          <p:nvPr/>
+        </p:nvPicPr>
+        <p:blipFill>
+          <a:blip r:embed="rId4">
+            <a:extLst>
+              <a:ext uri="{28A0092B-C50C-407E-A947-70E740481C1C}">
+                <a14:useLocalDpi xmlns:a14="http://schemas.microsoft.com/office/drawing/2010/main" val="0"/>
+              </a:ext>
+            </a:extLst>
+          </a:blip>
+          <a:stretch>
+            <a:fillRect/>
+          </a:stretch>
+        </p:blipFill>
+        <p:spPr>
+          <a:xfrm>
+            <a:off x="6324602" y="4258283"/>
+            <a:ext cx="4819700" cy="2599717"/>
+          </a:xfrm>
+          <a:prstGeom prst="rect">
+            <a:avLst/>
+          </a:prstGeom>
+        </p:spPr>
+      </p:pic>
+    </p:spTree>
+    <p:extLst>
+      <p:ext uri="{BB962C8B-B14F-4D97-AF65-F5344CB8AC3E}">
+        <p14:creationId xmlns:p14="http://schemas.microsoft.com/office/powerpoint/2010/main" val="1785605011"/>
+      </p:ext>
+    </p:extLst>
+  </p:cSld>
+  <p:clrMapOvr>
+    <a:masterClrMapping/>
+  </p:clrMapOvr>
+</p:sld>
+</file>
+
+<file path=ppt/slides/slide22.xml><?xml version="1.0" encoding="utf-8"?>
+<p:sld xmlns:a="http://schemas.openxmlformats.org/drawingml/2006/main" xmlns:r="http://schemas.openxmlformats.org/officeDocument/2006/relationships" xmlns:p="http://schemas.openxmlformats.org/presentationml/2006/main">
+  <p:cSld>
+    <p:spTree>
+      <p:nvGrpSpPr>
+        <p:cNvPr id="1" name=""/>
+        <p:cNvGrpSpPr/>
+        <p:nvPr/>
+      </p:nvGrpSpPr>
+      <p:grpSpPr>
+        <a:xfrm>
+          <a:off x="0" y="0"/>
+          <a:ext cx="0" cy="0"/>
+          <a:chOff x="0" y="0"/>
+          <a:chExt cx="0" cy="0"/>
+        </a:xfrm>
+      </p:grpSpPr>
+      <p:sp>
+        <p:nvSpPr>
+          <p:cNvPr id="2" name="Заголовок 1">
+            <a:extLst>
+              <a:ext uri="{FF2B5EF4-FFF2-40B4-BE49-F238E27FC236}">
+                <a16:creationId xmlns:a16="http://schemas.microsoft.com/office/drawing/2014/main" id="{CB24A555-D71C-4363-936D-2143A6DF27BA}"/>
+              </a:ext>
+            </a:extLst>
+          </p:cNvPr>
+          <p:cNvSpPr>
+            <a:spLocks noGrp="1"/>
+          </p:cNvSpPr>
+          <p:nvPr>
+            <p:ph type="title"/>
+          </p:nvPr>
+        </p:nvSpPr>
+        <p:spPr/>
+        <p:txBody>
+          <a:bodyPr/>
+          <a:lstStyle/>
+          <a:p>
+            <a:r>
+              <a:rPr lang="ru-RU" dirty="0"/>
+              <a:t>Результаты вычислений</a:t>
+            </a:r>
+          </a:p>
+        </p:txBody>
+      </p:sp>
+      <p:pic>
+        <p:nvPicPr>
+          <p:cNvPr id="5" name="Объект 4">
+            <a:extLst>
+              <a:ext uri="{FF2B5EF4-FFF2-40B4-BE49-F238E27FC236}">
+                <a16:creationId xmlns:a16="http://schemas.microsoft.com/office/drawing/2014/main" id="{F8214EA5-1BBE-4044-AE14-E626F74C608A}"/>
+              </a:ext>
+            </a:extLst>
+          </p:cNvPr>
+          <p:cNvPicPr>
+            <a:picLocks noGrp="1" noChangeAspect="1"/>
+          </p:cNvPicPr>
+          <p:nvPr>
+            <p:ph idx="1"/>
+          </p:nvPr>
+        </p:nvPicPr>
+        <p:blipFill>
+          <a:blip r:embed="rId2">
+            <a:extLst>
+              <a:ext uri="{28A0092B-C50C-407E-A947-70E740481C1C}">
+                <a14:useLocalDpi xmlns:a14="http://schemas.microsoft.com/office/drawing/2010/main" val="0"/>
+              </a:ext>
+            </a:extLst>
+          </a:blip>
+          <a:stretch>
+            <a:fillRect/>
+          </a:stretch>
+        </p:blipFill>
+        <p:spPr>
+          <a:xfrm>
+            <a:off x="5848451" y="4149192"/>
+            <a:ext cx="4502066" cy="2527667"/>
+          </a:xfrm>
+        </p:spPr>
+      </p:pic>
+      <p:pic>
+        <p:nvPicPr>
+          <p:cNvPr id="9" name="Рисунок 8">
+            <a:extLst>
+              <a:ext uri="{FF2B5EF4-FFF2-40B4-BE49-F238E27FC236}">
+                <a16:creationId xmlns:a16="http://schemas.microsoft.com/office/drawing/2014/main" id="{F425043B-790D-4E8B-9CB7-025F3FDA2340}"/>
+              </a:ext>
+            </a:extLst>
+          </p:cNvPr>
+          <p:cNvPicPr>
+            <a:picLocks noChangeAspect="1"/>
+          </p:cNvPicPr>
+          <p:nvPr/>
+        </p:nvPicPr>
+        <p:blipFill>
+          <a:blip r:embed="rId3">
+            <a:extLst>
+              <a:ext uri="{28A0092B-C50C-407E-A947-70E740481C1C}">
+                <a14:useLocalDpi xmlns:a14="http://schemas.microsoft.com/office/drawing/2010/main" val="0"/>
+              </a:ext>
+            </a:extLst>
+          </a:blip>
+          <a:stretch>
+            <a:fillRect/>
+          </a:stretch>
+        </p:blipFill>
+        <p:spPr>
+          <a:xfrm>
+            <a:off x="5848451" y="1363094"/>
+            <a:ext cx="4829763" cy="2629603"/>
+          </a:xfrm>
+          <a:prstGeom prst="rect">
+            <a:avLst/>
+          </a:prstGeom>
+        </p:spPr>
+      </p:pic>
+      <p:pic>
+        <p:nvPicPr>
+          <p:cNvPr id="11" name="Рисунок 10">
+            <a:extLst>
+              <a:ext uri="{FF2B5EF4-FFF2-40B4-BE49-F238E27FC236}">
+                <a16:creationId xmlns:a16="http://schemas.microsoft.com/office/drawing/2014/main" id="{D8E8B241-C288-40F4-BCD2-3F3D606FFB94}"/>
+              </a:ext>
+            </a:extLst>
+          </p:cNvPr>
+          <p:cNvPicPr>
+            <a:picLocks noChangeAspect="1"/>
+          </p:cNvPicPr>
+          <p:nvPr/>
+        </p:nvPicPr>
+        <p:blipFill>
+          <a:blip r:embed="rId4">
+            <a:extLst>
+              <a:ext uri="{28A0092B-C50C-407E-A947-70E740481C1C}">
+                <a14:useLocalDpi xmlns:a14="http://schemas.microsoft.com/office/drawing/2010/main" val="0"/>
+              </a:ext>
+            </a:extLst>
+          </a:blip>
+          <a:stretch>
+            <a:fillRect/>
+          </a:stretch>
+        </p:blipFill>
+        <p:spPr>
+          <a:xfrm>
+            <a:off x="347630" y="1624351"/>
+            <a:ext cx="5656814" cy="2991192"/>
+          </a:xfrm>
+          <a:prstGeom prst="rect">
+            <a:avLst/>
+          </a:prstGeom>
+        </p:spPr>
+      </p:pic>
+    </p:spTree>
+    <p:extLst>
+      <p:ext uri="{BB962C8B-B14F-4D97-AF65-F5344CB8AC3E}">
+        <p14:creationId xmlns:p14="http://schemas.microsoft.com/office/powerpoint/2010/main" val="1957234869"/>
+      </p:ext>
+    </p:extLst>
+  </p:cSld>
+  <p:clrMapOvr>
+    <a:masterClrMapping/>
+  </p:clrMapOvr>
+</p:sld>
+</file>
+
+<file path=ppt/slides/slide23.xml><?xml version="1.0" encoding="utf-8"?>
+<p:sld xmlns:a="http://schemas.openxmlformats.org/drawingml/2006/main" xmlns:r="http://schemas.openxmlformats.org/officeDocument/2006/relationships" xmlns:p="http://schemas.openxmlformats.org/presentationml/2006/main">
+  <p:cSld>
+    <p:spTree>
+      <p:nvGrpSpPr>
+        <p:cNvPr id="1" name=""/>
+        <p:cNvGrpSpPr/>
+        <p:nvPr/>
+      </p:nvGrpSpPr>
+      <p:grpSpPr>
+        <a:xfrm>
+          <a:off x="0" y="0"/>
+          <a:ext cx="0" cy="0"/>
+          <a:chOff x="0" y="0"/>
+          <a:chExt cx="0" cy="0"/>
+        </a:xfrm>
+      </p:grpSpPr>
+      <p:sp>
+        <p:nvSpPr>
+          <p:cNvPr id="2" name="Заголовок 1">
+            <a:extLst>
+              <a:ext uri="{FF2B5EF4-FFF2-40B4-BE49-F238E27FC236}">
+                <a16:creationId xmlns:a16="http://schemas.microsoft.com/office/drawing/2014/main" id="{83A4E9D5-7366-4A41-A08E-B9299770A0AE}"/>
+              </a:ext>
+            </a:extLst>
+          </p:cNvPr>
+          <p:cNvSpPr>
+            <a:spLocks noGrp="1"/>
+          </p:cNvSpPr>
+          <p:nvPr>
+            <p:ph type="title"/>
+          </p:nvPr>
+        </p:nvSpPr>
+        <p:spPr/>
+        <p:txBody>
+          <a:bodyPr/>
+          <a:lstStyle/>
+          <a:p>
+            <a:r>
+              <a:rPr lang="ru-RU" dirty="0"/>
+              <a:t>Вывод</a:t>
+            </a:r>
+          </a:p>
+        </p:txBody>
+      </p:sp>
+      <p:sp>
+        <p:nvSpPr>
+          <p:cNvPr id="3" name="Объект 2">
+            <a:extLst>
+              <a:ext uri="{FF2B5EF4-FFF2-40B4-BE49-F238E27FC236}">
+                <a16:creationId xmlns:a16="http://schemas.microsoft.com/office/drawing/2014/main" id="{F8517113-3384-4C1C-A0E5-F2D5BED179C1}"/>
+              </a:ext>
+            </a:extLst>
+          </p:cNvPr>
+          <p:cNvSpPr>
+            <a:spLocks noGrp="1"/>
+          </p:cNvSpPr>
+          <p:nvPr>
+            <p:ph idx="1"/>
+          </p:nvPr>
+        </p:nvSpPr>
+        <p:spPr/>
+        <p:txBody>
+          <a:bodyPr>
+            <a:normAutofit fontScale="92500" lnSpcReduction="10000"/>
+          </a:bodyPr>
+          <a:lstStyle/>
+          <a:p>
+            <a:r>
+              <a:rPr lang="ru-RU" dirty="0" err="1"/>
+              <a:t>Криптовалютный</a:t>
+            </a:r>
+            <a:r>
+              <a:rPr lang="ru-RU" dirty="0"/>
+              <a:t> рынок непредсказуем. Начало тренда на криптовалюты в конце 2017 года, подкрепляемого серьезным вниманием со стороны СМИ, которые познакомили массу людей с этим рынком, просто вознесли стоимость криптовалют вверх. Это объясняет зависимость рынка от различных внешних событий</a:t>
+            </a:r>
+          </a:p>
+          <a:p>
+            <a:r>
+              <a:rPr lang="ru-RU" dirty="0"/>
+              <a:t>Различные виды регрессии подошли для наших данных. Самым оптимальным видом, является </a:t>
+            </a:r>
+            <a:r>
+              <a:rPr lang="en-US" dirty="0" err="1"/>
+              <a:t>XGBoost</a:t>
+            </a:r>
+            <a:r>
+              <a:rPr lang="en-US" dirty="0"/>
+              <a:t> </a:t>
+            </a:r>
+            <a:r>
+              <a:rPr lang="ru-RU" dirty="0"/>
+              <a:t>за счет своих высоких показателей </a:t>
+            </a:r>
+            <a:r>
+              <a:rPr lang="en-US" dirty="0"/>
+              <a:t>R2</a:t>
+            </a:r>
+          </a:p>
+          <a:p>
+            <a:r>
+              <a:rPr lang="ru-RU" dirty="0"/>
+              <a:t>Разные модели, показали, соответственно, разные варианты предсказаний, но все они, в меру, недостоверны – мы использовали даты как функции. В истории модели Январь не считался хорошим, для роста курса, месяцем, на это и опирается прогноз</a:t>
+            </a:r>
+          </a:p>
+          <a:p>
+            <a:endParaRPr lang="ru-RU" dirty="0"/>
+          </a:p>
+        </p:txBody>
+      </p:sp>
+    </p:spTree>
+    <p:extLst>
+      <p:ext uri="{BB962C8B-B14F-4D97-AF65-F5344CB8AC3E}">
+        <p14:creationId xmlns:p14="http://schemas.microsoft.com/office/powerpoint/2010/main" val="175491251"/>
+      </p:ext>
+    </p:extLst>
+  </p:cSld>
+  <p:clrMapOvr>
+    <a:masterClrMapping/>
+  </p:clrMapOvr>
+</p:sld>
+</file>
+
 <file path=ppt/slides/slide3.xml><?xml version="1.0" encoding="utf-8"?>
 <p:sld xmlns:a="http://schemas.openxmlformats.org/drawingml/2006/main" xmlns:r="http://schemas.openxmlformats.org/officeDocument/2006/relationships" xmlns:p="http://schemas.openxmlformats.org/presentationml/2006/main">
   <p:cSld>
@@ -3707,7 +5456,7 @@
           <a:p>
             <a:r>
               <a:rPr lang="ru-RU" dirty="0"/>
-              <a:t>Предсказание стоимости криптовалют (на примере </a:t>
+              <a:t>Построение различных регрессий (на примере </a:t>
             </a:r>
             <a:r>
               <a:rPr lang="en-US" dirty="0"/>
@@ -5095,13 +6844,115 @@
         </p:nvSpPr>
         <p:spPr/>
         <p:txBody>
-          <a:bodyPr/>
-          <a:lstStyle/>
-          <a:p>
-            <a:endParaRPr lang="ru-RU"/>
-          </a:p>
-        </p:txBody>
-      </p:sp>
+          <a:bodyPr>
+            <a:normAutofit/>
+          </a:bodyPr>
+          <a:lstStyle/>
+          <a:p>
+            <a:r>
+              <a:rPr lang="ru-RU" sz="2400" dirty="0"/>
+              <a:t>Убираем лишнюю колонку, которая несет ту же информацию, что </a:t>
+            </a:r>
+            <a:r>
+              <a:rPr lang="en-US" sz="2400" dirty="0"/>
+              <a:t>symbol, </a:t>
+            </a:r>
+            <a:r>
+              <a:rPr lang="ru-RU" sz="2400" dirty="0"/>
+              <a:t>меняем формат времени на объект, используем понятие </a:t>
+            </a:r>
+            <a:r>
+              <a:rPr lang="en-US" sz="2400" dirty="0" err="1"/>
+              <a:t>ohlc</a:t>
+            </a:r>
+            <a:r>
+              <a:rPr lang="en-US" sz="2400" dirty="0"/>
+              <a:t> (</a:t>
+            </a:r>
+            <a:r>
+              <a:rPr lang="ru-RU" sz="2400" dirty="0"/>
+              <a:t>сумма цен открытия, высокой цены, низкой цены и закрытия, деленное на количество переменных, в нашем случае - 4</a:t>
+            </a:r>
+            <a:r>
+              <a:rPr lang="en-US" sz="2400" dirty="0"/>
+              <a:t>)</a:t>
+            </a:r>
+            <a:endParaRPr lang="ru-RU" sz="2400" dirty="0"/>
+          </a:p>
+        </p:txBody>
+      </p:sp>
+      <p:pic>
+        <p:nvPicPr>
+          <p:cNvPr id="5" name="Рисунок 4">
+            <a:extLst>
+              <a:ext uri="{FF2B5EF4-FFF2-40B4-BE49-F238E27FC236}">
+                <a16:creationId xmlns:a16="http://schemas.microsoft.com/office/drawing/2014/main" id="{3CCC81F6-8B79-488B-8CC0-648E1AE54197}"/>
+              </a:ext>
+            </a:extLst>
+          </p:cNvPr>
+          <p:cNvPicPr>
+            <a:picLocks noChangeAspect="1"/>
+          </p:cNvPicPr>
+          <p:nvPr/>
+        </p:nvPicPr>
+        <p:blipFill>
+          <a:blip r:embed="rId2">
+            <a:extLst>
+              <a:ext uri="{28A0092B-C50C-407E-A947-70E740481C1C}">
+                <a14:useLocalDpi xmlns:a14="http://schemas.microsoft.com/office/drawing/2010/main" val="0"/>
+              </a:ext>
+            </a:extLst>
+          </a:blip>
+          <a:stretch>
+            <a:fillRect/>
+          </a:stretch>
+        </p:blipFill>
+        <p:spPr>
+          <a:xfrm>
+            <a:off x="1097802" y="3391609"/>
+            <a:ext cx="6550360" cy="843507"/>
+          </a:xfrm>
+          <a:prstGeom prst="rect">
+            <a:avLst/>
+          </a:prstGeom>
+        </p:spPr>
+      </p:pic>
+      <p:pic>
+        <p:nvPicPr>
+          <p:cNvPr id="7" name="Рисунок 6">
+            <a:extLst>
+              <a:ext uri="{FF2B5EF4-FFF2-40B4-BE49-F238E27FC236}">
+                <a16:creationId xmlns:a16="http://schemas.microsoft.com/office/drawing/2014/main" id="{E1ED0A1A-FDD4-4954-BA2D-3BD57916AF00}"/>
+              </a:ext>
+            </a:extLst>
+          </p:cNvPr>
+          <p:cNvPicPr>
+            <a:picLocks noChangeAspect="1"/>
+          </p:cNvPicPr>
+          <p:nvPr/>
+        </p:nvPicPr>
+        <p:blipFill>
+          <a:blip r:embed="rId3">
+            <a:extLst>
+              <a:ext uri="{28A0092B-C50C-407E-A947-70E740481C1C}">
+                <a14:useLocalDpi xmlns:a14="http://schemas.microsoft.com/office/drawing/2010/main" val="0"/>
+              </a:ext>
+            </a:extLst>
+          </a:blip>
+          <a:stretch>
+            <a:fillRect/>
+          </a:stretch>
+        </p:blipFill>
+        <p:spPr>
+          <a:xfrm>
+            <a:off x="1097801" y="4590279"/>
+            <a:ext cx="9747239" cy="430900"/>
+          </a:xfrm>
+          <a:prstGeom prst="rect">
+            <a:avLst/>
+          </a:prstGeom>
+        </p:spPr>
+      </p:pic>
     </p:spTree>
     <p:extLst>
       <p:ext uri="{BB962C8B-B14F-4D97-AF65-F5344CB8AC3E}">
@@ -5181,10 +7032,49 @@
           <a:bodyPr/>
           <a:lstStyle/>
           <a:p>
-            <a:endParaRPr lang="ru-RU"/>
-          </a:p>
-        </p:txBody>
-      </p:sp>
+            <a:r>
+              <a:rPr lang="ru-RU" dirty="0"/>
+              <a:t>Обратимся к сравнению цены первых 10 криптовалют по капитализации</a:t>
+            </a:r>
+          </a:p>
+        </p:txBody>
+      </p:sp>
+      <p:pic>
+        <p:nvPicPr>
+          <p:cNvPr id="7" name="Рисунок 6">
+            <a:extLst>
+              <a:ext uri="{FF2B5EF4-FFF2-40B4-BE49-F238E27FC236}">
+                <a16:creationId xmlns:a16="http://schemas.microsoft.com/office/drawing/2014/main" id="{2B111A96-AE3F-4E0C-8ABE-6EAA8FB5AAA9}"/>
+              </a:ext>
+            </a:extLst>
+          </p:cNvPr>
+          <p:cNvPicPr>
+            <a:picLocks noChangeAspect="1"/>
+          </p:cNvPicPr>
+          <p:nvPr/>
+        </p:nvPicPr>
+        <p:blipFill>
+          <a:blip r:embed="rId2">
+            <a:extLst>
+              <a:ext uri="{28A0092B-C50C-407E-A947-70E740481C1C}">
+                <a14:useLocalDpi xmlns:a14="http://schemas.microsoft.com/office/drawing/2010/main" val="0"/>
+              </a:ext>
+            </a:extLst>
+          </a:blip>
+          <a:stretch>
+            <a:fillRect/>
+          </a:stretch>
+        </p:blipFill>
+        <p:spPr>
+          <a:xfrm>
+            <a:off x="4361048" y="2291764"/>
+            <a:ext cx="5715798" cy="4201111"/>
+          </a:xfrm>
+          <a:prstGeom prst="rect">
+            <a:avLst/>
+          </a:prstGeom>
+        </p:spPr>
+      </p:pic>
     </p:spTree>
     <p:extLst>
       <p:ext uri="{BB962C8B-B14F-4D97-AF65-F5344CB8AC3E}">
